--- a/01/01_eloadas_internet_alapjai_tcp_ip.pptx
+++ b/01/01_eloadas_internet_alapjai_tcp_ip.pptx
@@ -3755,7 +3755,7 @@
           <a:p>
             <a:fld id="{4C482E4E-5CEC-44A9-BF2B-512FB3B5604F}" type="datetimeFigureOut">
               <a:rPr lang="en-US" smtClean="0"/>
-              <a:t>1/5/2026</a:t>
+              <a:t>2/7/2026</a:t>
             </a:fld>
             <a:endParaRPr lang="en-US"/>
           </a:p>
@@ -6423,6 +6423,10 @@
               <a:rPr lang="hu-HU" dirty="0"/>
               <a:t>Ezért szükséges a DNS, amely a neveket IP címekhez rendeli.</a:t>
             </a:r>
+            <a:br>
+              <a:rPr lang="hu-HU" dirty="0"/>
+            </a:br>
+            <a:endParaRPr lang="hu-HU" dirty="0"/>
           </a:p>
           <a:p>
             <a:r>
@@ -6433,7 +6437,7 @@
           <a:p>
             <a:r>
               <a:rPr lang="hu-HU" dirty="0"/>
-              <a:t>legfelül vannak a </a:t>
+              <a:t>- legfelül vannak a </a:t>
             </a:r>
             <a:r>
               <a:rPr lang="hu-HU" dirty="0" err="1"/>
@@ -6447,7 +6451,7 @@
           <a:p>
             <a:r>
               <a:rPr lang="hu-HU" dirty="0"/>
-              <a:t>alattuk a TLD-k: .com, .hu, .</a:t>
+              <a:t>- alattuk a TLD-k: .com, .hu, .</a:t>
             </a:r>
             <a:r>
               <a:rPr lang="hu-HU" dirty="0" err="1"/>
@@ -6461,7 +6465,7 @@
           <a:p>
             <a:r>
               <a:rPr lang="hu-HU" dirty="0"/>
-              <a:t>azután a </a:t>
+              <a:t>- azután a </a:t>
             </a:r>
             <a:r>
               <a:rPr lang="hu-HU" dirty="0" err="1"/>
@@ -6473,6 +6477,9 @@
             </a:r>
           </a:p>
           <a:p>
+            <a:br>
+              <a:rPr lang="hu-HU" dirty="0"/>
+            </a:br>
             <a:r>
               <a:rPr lang="hu-HU" dirty="0"/>
               <a:t>A rendszer gyors működéséről cache-</a:t>
@@ -6977,7 +6984,7 @@
             </a:r>
             <a:r>
               <a:rPr lang="hu-HU" dirty="0"/>
-              <a:t> kell majd kialakítanunk</a:t>
+              <a:t> kell majd kialakítanunk.</a:t>
             </a:r>
           </a:p>
           <a:p>
@@ -7969,9 +7976,6 @@
           <a:p>
             <a:endParaRPr lang="hu-HU" dirty="0"/>
           </a:p>
-          <a:p>
-            <a:endParaRPr lang="en-US" dirty="0"/>
-          </a:p>
         </p:txBody>
       </p:sp>
       <p:sp>
@@ -8056,7 +8060,7 @@
           <a:p>
             <a:r>
               <a:rPr lang="hu-HU" dirty="0"/>
-              <a:t>A HTTP lesz a félév egyik legfontosabb témája. A HTTP egy szöveges, </a:t>
+              <a:t>A HTTP lesz a félév egyik legfontosabb témája. A HTTP egy szöveges, állapotmentes (</a:t>
             </a:r>
             <a:r>
               <a:rPr lang="hu-HU" dirty="0" err="1"/>
@@ -8064,7 +8068,13 @@
             </a:r>
             <a:r>
               <a:rPr lang="hu-HU" dirty="0"/>
-              <a:t> protokoll. Minden kérés önálló. A Web API-k 95%-a HTTP-n működik. A következő órákban külön hangsúlyt kap a HTTP/1.1, HTTP/2 és HTTP/3.</a:t>
+              <a:t>) protokoll. Minden kérés önálló. A Web API-k 95%-a HTTP-n működik.</a:t>
+            </a:r>
+          </a:p>
+          <a:p>
+            <a:r>
+              <a:rPr lang="hu-HU" dirty="0"/>
+              <a:t>A következő órákban külön hangsúlyt kap a HTTP/1.1, HTTP/2 és HTTP/3.</a:t>
             </a:r>
           </a:p>
           <a:p>
@@ -8250,19 +8260,23 @@
             </a:r>
             <a:r>
               <a:rPr lang="en-US" dirty="0"/>
-              <a:t> cookie-k, </a:t>
-            </a:r>
-            <a:r>
-              <a:rPr lang="en-US" dirty="0" err="1"/>
-              <a:t>sessionök</a:t>
+              <a:t> cookie-k, session</a:t>
+            </a:r>
+            <a:r>
+              <a:rPr lang="hu-HU" dirty="0"/>
+              <a:t>-</a:t>
+            </a:r>
+            <a:r>
+              <a:rPr lang="en-US" dirty="0" err="1"/>
+              <a:t>ök</a:t>
             </a:r>
             <a:r>
               <a:rPr lang="en-US" dirty="0"/>
               <a:t>, </a:t>
             </a:r>
             <a:r>
-              <a:rPr lang="en-US" dirty="0" err="1"/>
-              <a:t>jwt</a:t>
+              <a:rPr lang="hu-HU" dirty="0"/>
+              <a:t>JWT</a:t>
             </a:r>
             <a:r>
               <a:rPr lang="en-US" dirty="0"/>
@@ -8627,7 +8641,15 @@
             </a:r>
             <a:r>
               <a:rPr lang="en-US" dirty="0"/>
-              <a:t>. A modern web </a:t>
+              <a:t>. A modern web</a:t>
+            </a:r>
+            <a:r>
+              <a:rPr lang="hu-HU" dirty="0"/>
+              <a:t>es</a:t>
+            </a:r>
+            <a:r>
+              <a:rPr lang="en-US" dirty="0"/>
+              <a:t> </a:t>
             </a:r>
             <a:r>
               <a:rPr lang="en-US" dirty="0" err="1"/>
@@ -8638,6 +8660,10 @@
               <a:t> </a:t>
             </a:r>
             <a:r>
+              <a:rPr lang="hu-HU" dirty="0"/>
+              <a:t>ez </a:t>
+            </a:r>
+            <a:r>
               <a:rPr lang="en-US" dirty="0" err="1"/>
               <a:t>alapkövetelmény</a:t>
             </a:r>
@@ -8671,138 +8697,162 @@
               <a:rPr lang="en-US" dirty="0"/>
               <a:t>.</a:t>
             </a:r>
+            <a:r>
+              <a:rPr lang="hu-HU" dirty="0"/>
+              <a:t> </a:t>
+            </a:r>
+            <a:r>
+              <a:rPr lang="en-US" dirty="0"/>
+              <a:t>A </a:t>
+            </a:r>
+            <a:r>
+              <a:rPr lang="en-US" dirty="0" err="1"/>
+              <a:t>böngésző</a:t>
+            </a:r>
+            <a:r>
+              <a:rPr lang="en-US" dirty="0"/>
+              <a:t> és a </a:t>
+            </a:r>
+            <a:r>
+              <a:rPr lang="en-US" dirty="0" err="1"/>
+              <a:t>szerver</a:t>
+            </a:r>
+            <a:r>
+              <a:rPr lang="en-US" dirty="0"/>
+              <a:t> </a:t>
+            </a:r>
+            <a:r>
+              <a:rPr lang="en-US" dirty="0" err="1"/>
+              <a:t>között</a:t>
+            </a:r>
+            <a:r>
+              <a:rPr lang="en-US" dirty="0"/>
+              <a:t> </a:t>
+            </a:r>
+            <a:r>
+              <a:rPr lang="en-US" dirty="0" err="1"/>
+              <a:t>minden</a:t>
+            </a:r>
+            <a:r>
+              <a:rPr lang="en-US" dirty="0"/>
+              <a:t> </a:t>
+            </a:r>
+            <a:r>
+              <a:rPr lang="en-US" dirty="0" err="1"/>
+              <a:t>adat</a:t>
+            </a:r>
+            <a:r>
+              <a:rPr lang="en-US" dirty="0"/>
+              <a:t> </a:t>
+            </a:r>
+            <a:r>
+              <a:rPr lang="en-US" dirty="0" err="1"/>
+              <a:t>titkosítva</a:t>
+            </a:r>
+            <a:r>
+              <a:rPr lang="en-US" dirty="0"/>
+              <a:t> </a:t>
+            </a:r>
+            <a:r>
+              <a:rPr lang="en-US" dirty="0" err="1"/>
+              <a:t>utazik</a:t>
+            </a:r>
+            <a:r>
+              <a:rPr lang="en-US" dirty="0"/>
+              <a:t>.</a:t>
+            </a:r>
+          </a:p>
+          <a:p>
+            <a:r>
+              <a:rPr lang="en-US" dirty="0"/>
+              <a:t>Ez </a:t>
+            </a:r>
+            <a:r>
+              <a:rPr lang="en-US" dirty="0" err="1"/>
+              <a:t>nemcsak</a:t>
+            </a:r>
+            <a:r>
+              <a:rPr lang="en-US" dirty="0"/>
+              <a:t> a </a:t>
+            </a:r>
+            <a:r>
+              <a:rPr lang="en-US" dirty="0" err="1"/>
+              <a:t>jelszavak</a:t>
+            </a:r>
+            <a:r>
+              <a:rPr lang="en-US" dirty="0"/>
+              <a:t> </a:t>
+            </a:r>
+            <a:r>
+              <a:rPr lang="en-US" dirty="0" err="1"/>
+              <a:t>miatt</a:t>
+            </a:r>
+            <a:r>
+              <a:rPr lang="en-US" dirty="0"/>
+              <a:t> </a:t>
+            </a:r>
+            <a:r>
+              <a:rPr lang="en-US" dirty="0" err="1"/>
+              <a:t>fontos</a:t>
+            </a:r>
+            <a:r>
+              <a:rPr lang="en-US" dirty="0"/>
+              <a:t>, </a:t>
+            </a:r>
+            <a:r>
+              <a:rPr lang="en-US" dirty="0" err="1"/>
+              <a:t>hanem</a:t>
+            </a:r>
+            <a:r>
+              <a:rPr lang="en-US" dirty="0"/>
+              <a:t> </a:t>
+            </a:r>
+            <a:r>
+              <a:rPr lang="en-US" dirty="0" err="1"/>
+              <a:t>minden</a:t>
+            </a:r>
+            <a:r>
+              <a:rPr lang="en-US" dirty="0"/>
+              <a:t> </a:t>
+            </a:r>
+            <a:r>
+              <a:rPr lang="en-US" dirty="0" err="1"/>
+              <a:t>adat</a:t>
+            </a:r>
+            <a:r>
+              <a:rPr lang="en-US" dirty="0"/>
+              <a:t> </a:t>
+            </a:r>
+            <a:r>
+              <a:rPr lang="en-US" dirty="0" err="1"/>
+              <a:t>miatt</a:t>
+            </a:r>
+            <a:r>
+              <a:rPr lang="en-US" dirty="0"/>
+              <a:t>:</a:t>
+            </a:r>
             <a:br>
               <a:rPr lang="en-US" dirty="0"/>
             </a:br>
             <a:r>
               <a:rPr lang="en-US" dirty="0"/>
-              <a:t>A </a:t>
-            </a:r>
-            <a:r>
-              <a:rPr lang="en-US" dirty="0" err="1"/>
-              <a:t>böngésző</a:t>
-            </a:r>
-            <a:r>
-              <a:rPr lang="en-US" dirty="0"/>
-              <a:t> és a </a:t>
-            </a:r>
-            <a:r>
-              <a:rPr lang="en-US" dirty="0" err="1"/>
-              <a:t>szerver</a:t>
-            </a:r>
-            <a:r>
-              <a:rPr lang="en-US" dirty="0"/>
-              <a:t> </a:t>
-            </a:r>
-            <a:r>
-              <a:rPr lang="en-US" dirty="0" err="1"/>
-              <a:t>között</a:t>
-            </a:r>
-            <a:r>
-              <a:rPr lang="en-US" dirty="0"/>
-              <a:t> </a:t>
-            </a:r>
-            <a:r>
-              <a:rPr lang="en-US" dirty="0" err="1"/>
-              <a:t>minden</a:t>
-            </a:r>
-            <a:r>
-              <a:rPr lang="en-US" dirty="0"/>
-              <a:t> </a:t>
-            </a:r>
-            <a:r>
-              <a:rPr lang="en-US" dirty="0" err="1"/>
-              <a:t>adat</a:t>
-            </a:r>
-            <a:r>
-              <a:rPr lang="en-US" dirty="0"/>
-              <a:t> </a:t>
-            </a:r>
-            <a:r>
-              <a:rPr lang="en-US" dirty="0" err="1"/>
-              <a:t>titkosítva</a:t>
-            </a:r>
-            <a:r>
-              <a:rPr lang="en-US" dirty="0"/>
-              <a:t> </a:t>
-            </a:r>
-            <a:r>
-              <a:rPr lang="en-US" dirty="0" err="1"/>
-              <a:t>utazik</a:t>
-            </a:r>
-            <a:r>
-              <a:rPr lang="en-US" dirty="0"/>
-              <a:t>.</a:t>
-            </a:r>
-          </a:p>
-          <a:p>
-            <a:r>
-              <a:rPr lang="en-US" dirty="0"/>
-              <a:t>Ez </a:t>
-            </a:r>
-            <a:r>
-              <a:rPr lang="en-US" dirty="0" err="1"/>
-              <a:t>nemcsak</a:t>
-            </a:r>
-            <a:r>
-              <a:rPr lang="en-US" dirty="0"/>
-              <a:t> a </a:t>
-            </a:r>
-            <a:r>
-              <a:rPr lang="en-US" dirty="0" err="1"/>
-              <a:t>jelszavak</a:t>
-            </a:r>
-            <a:r>
-              <a:rPr lang="en-US" dirty="0"/>
-              <a:t> </a:t>
-            </a:r>
-            <a:r>
-              <a:rPr lang="en-US" dirty="0" err="1"/>
-              <a:t>miatt</a:t>
-            </a:r>
-            <a:r>
-              <a:rPr lang="en-US" dirty="0"/>
-              <a:t> </a:t>
-            </a:r>
-            <a:r>
-              <a:rPr lang="en-US" dirty="0" err="1"/>
-              <a:t>fontos</a:t>
-            </a:r>
-            <a:r>
-              <a:rPr lang="en-US" dirty="0"/>
-              <a:t>, </a:t>
-            </a:r>
-            <a:r>
-              <a:rPr lang="en-US" dirty="0" err="1"/>
-              <a:t>hanem</a:t>
-            </a:r>
-            <a:r>
-              <a:rPr lang="en-US" dirty="0"/>
-              <a:t> </a:t>
-            </a:r>
-            <a:r>
-              <a:rPr lang="en-US" dirty="0" err="1"/>
-              <a:t>minden</a:t>
-            </a:r>
-            <a:r>
-              <a:rPr lang="en-US" dirty="0"/>
-              <a:t> </a:t>
-            </a:r>
-            <a:r>
-              <a:rPr lang="en-US" dirty="0" err="1"/>
-              <a:t>adat</a:t>
-            </a:r>
-            <a:r>
-              <a:rPr lang="en-US" dirty="0"/>
-              <a:t> </a:t>
-            </a:r>
-            <a:r>
-              <a:rPr lang="en-US" dirty="0" err="1"/>
-              <a:t>miatt</a:t>
-            </a:r>
-            <a:r>
-              <a:rPr lang="en-US" dirty="0"/>
-              <a:t>:</a:t>
+              <a:t>• </a:t>
+            </a:r>
+            <a:r>
+              <a:rPr lang="en-US" dirty="0" err="1"/>
+              <a:t>banki</a:t>
+            </a:r>
+            <a:r>
+              <a:rPr lang="en-US" dirty="0"/>
+              <a:t> </a:t>
+            </a:r>
+            <a:r>
+              <a:rPr lang="en-US" dirty="0" err="1"/>
+              <a:t>adatok</a:t>
+            </a:r>
+            <a:r>
+              <a:rPr lang="en-US" dirty="0"/>
+              <a:t>,</a:t>
             </a:r>
             <a:br>
               <a:rPr lang="en-US" dirty="0"/>
@@ -8813,15 +8863,15 @@
             </a:r>
             <a:r>
               <a:rPr lang="en-US" dirty="0" err="1"/>
-              <a:t>banki</a:t>
-            </a:r>
-            <a:r>
-              <a:rPr lang="en-US" dirty="0"/>
-              <a:t> </a:t>
-            </a:r>
-            <a:r>
-              <a:rPr lang="en-US" dirty="0" err="1"/>
-              <a:t>adatok</a:t>
+              <a:t>személyes</a:t>
+            </a:r>
+            <a:r>
+              <a:rPr lang="en-US" dirty="0"/>
+              <a:t> </a:t>
+            </a:r>
+            <a:r>
+              <a:rPr lang="en-US" dirty="0" err="1"/>
+              <a:t>információk</a:t>
             </a:r>
             <a:r>
               <a:rPr lang="en-US" dirty="0"/>
@@ -8832,19 +8882,11 @@
             </a:br>
             <a:r>
               <a:rPr lang="en-US" dirty="0"/>
-              <a:t>• </a:t>
-            </a:r>
-            <a:r>
-              <a:rPr lang="en-US" dirty="0" err="1"/>
-              <a:t>személyes</a:t>
-            </a:r>
-            <a:r>
-              <a:rPr lang="en-US" dirty="0"/>
-              <a:t> </a:t>
-            </a:r>
-            <a:r>
-              <a:rPr lang="en-US" dirty="0" err="1"/>
-              <a:t>információk</a:t>
+              <a:t>• API </a:t>
+            </a:r>
+            <a:r>
+              <a:rPr lang="en-US" dirty="0" err="1"/>
+              <a:t>tokenek</a:t>
             </a:r>
             <a:r>
               <a:rPr lang="en-US" dirty="0"/>
@@ -8855,23 +8897,12 @@
             </a:br>
             <a:r>
               <a:rPr lang="en-US" dirty="0"/>
-              <a:t>• API </a:t>
-            </a:r>
-            <a:r>
-              <a:rPr lang="en-US" dirty="0" err="1"/>
-              <a:t>tokenek</a:t>
-            </a:r>
-            <a:r>
-              <a:rPr lang="en-US" dirty="0"/>
-              <a:t>,</a:t>
-            </a:r>
-            <a:br>
-              <a:rPr lang="en-US" dirty="0"/>
-            </a:br>
-            <a:r>
-              <a:rPr lang="en-US" dirty="0"/>
               <a:t>• session cookie-k.</a:t>
             </a:r>
+            <a:endParaRPr lang="hu-HU" dirty="0"/>
+          </a:p>
+          <a:p>
+            <a:endParaRPr lang="en-US" dirty="0"/>
           </a:p>
           <a:p>
             <a:r>
@@ -9228,7 +9259,7 @@
           <a:p>
             <a:r>
               <a:rPr lang="hu-HU" dirty="0"/>
-              <a:t>Összefoglalva: megértettük, hogy az Internet valójában sok hálózat összekapcsolódása, és hogy minden kommunikáció a TCP/IP modell </a:t>
+              <a:t>Összefoglalva: megértettük, hogy az Internet valójában sok hálózat „szövevényes” összekapcsolódása, és hogy minden kommunikáció a TCP/IP modell </a:t>
             </a:r>
             <a:r>
               <a:rPr lang="hu-HU" dirty="0" err="1"/>
@@ -9236,7 +9267,19 @@
             </a:r>
             <a:r>
               <a:rPr lang="hu-HU" dirty="0"/>
-              <a:t> keresztül zajlik. Láttuk az IP szerepét, a TCP és UDP közti különbséget, a portok jelentőségét, valamint azt, hogyan működik a DNS. Végül pedig megnéztük, hogy milyen lépésekből áll egy weboldal betöltése, és miért kulcsfontosságú a HTTP és HTTPS működésének ismerete.</a:t>
+              <a:t> keresztül zajlik.</a:t>
+            </a:r>
+          </a:p>
+          <a:p>
+            <a:r>
+              <a:rPr lang="hu-HU" dirty="0"/>
+              <a:t>Láttuk az IP szerepét, a TCP és UDP közti különbséget, a portok jelentőségét, valamint azt, hogyan működik a DNS.</a:t>
+            </a:r>
+          </a:p>
+          <a:p>
+            <a:r>
+              <a:rPr lang="hu-HU" dirty="0"/>
+              <a:t>Végül pedig megnéztük, hogy milyen lépésekből áll egy weboldal betöltése, és miért kulcsfontosságú a HTTP és HTTPS működésének ismerete.</a:t>
             </a:r>
           </a:p>
           <a:p>
@@ -9300,6 +9343,8 @@
               <a:rPr lang="hu-HU" dirty="0"/>
               <a:t>, vagy a HTTP/1.1, HTTP/2 és HTTP/3 működése.</a:t>
             </a:r>
+          </a:p>
+          <a:p>
             <a:endParaRPr lang="en-US" dirty="0"/>
           </a:p>
         </p:txBody>
@@ -10933,6 +10978,10 @@
           </a:p>
           <a:p>
             <a:r>
+              <a:rPr lang="hu-HU" dirty="0"/>
+              <a:t>- </a:t>
+            </a:r>
+            <a:r>
               <a:rPr lang="en-US" dirty="0" err="1"/>
               <a:t>megérkezik</a:t>
             </a:r>
@@ -10943,6 +10992,10 @@
           </a:p>
           <a:p>
             <a:r>
+              <a:rPr lang="hu-HU" dirty="0"/>
+              <a:t>- </a:t>
+            </a:r>
+            <a:r>
               <a:rPr lang="en-US" dirty="0" err="1"/>
               <a:t>jó</a:t>
             </a:r>
@@ -10968,6 +11021,10 @@
             </a:r>
           </a:p>
           <a:p>
+            <a:r>
+              <a:rPr lang="hu-HU" dirty="0"/>
+              <a:t>- </a:t>
+            </a:r>
             <a:r>
               <a:rPr lang="en-US" dirty="0" err="1"/>
               <a:t>nem</a:t>
@@ -11404,6 +11461,10 @@
             <a:r>
               <a:rPr lang="en-US" dirty="0" err="1"/>
               <a:t>zajlik</a:t>
+            </a:r>
+            <a:r>
+              <a:rPr lang="hu-HU" dirty="0"/>
+              <a:t>.</a:t>
             </a:r>
             <a:endParaRPr lang="en-US" dirty="0"/>
           </a:p>
@@ -11590,7 +11651,7 @@
             </a:r>
             <a:r>
               <a:rPr lang="hu-HU" dirty="0"/>
-              <a:t>32 bites szavakban megadja a fejléc hosszát</a:t>
+              <a:t>32 bites (4 byte) szavakban megadja a fejléc hosszát</a:t>
             </a:r>
             <a:endParaRPr lang="en-US" dirty="0"/>
           </a:p>
@@ -14042,6 +14103,69 @@
               <a:rPr lang="en-US" dirty="0"/>
               <a:t>.</a:t>
             </a:r>
+            <a:endParaRPr lang="hu-HU" dirty="0"/>
+          </a:p>
+          <a:p>
+            <a:r>
+              <a:rPr lang="hu-HU" dirty="0"/>
+              <a:t>A folyamvezérlés </a:t>
+            </a:r>
+            <a:r>
+              <a:rPr lang="en-US" dirty="0" err="1"/>
+              <a:t>megakadályozza</a:t>
+            </a:r>
+            <a:r>
+              <a:rPr lang="en-US" dirty="0"/>
+              <a:t>, </a:t>
+            </a:r>
+            <a:r>
+              <a:rPr lang="en-US" dirty="0" err="1"/>
+              <a:t>hogy</a:t>
+            </a:r>
+            <a:r>
+              <a:rPr lang="en-US" dirty="0"/>
+              <a:t> a </a:t>
+            </a:r>
+            <a:r>
+              <a:rPr lang="en-US" dirty="0" err="1"/>
+              <a:t>küldő</a:t>
+            </a:r>
+            <a:r>
+              <a:rPr lang="en-US" dirty="0"/>
+              <a:t> </a:t>
+            </a:r>
+            <a:r>
+              <a:rPr lang="en-US" dirty="0" err="1"/>
+              <a:t>túlterhelje</a:t>
+            </a:r>
+            <a:r>
+              <a:rPr lang="en-US" dirty="0"/>
+              <a:t> a </a:t>
+            </a:r>
+            <a:r>
+              <a:rPr lang="en-US" dirty="0" err="1"/>
+              <a:t>fogadót</a:t>
+            </a:r>
+            <a:r>
+              <a:rPr lang="hu-HU" dirty="0"/>
+              <a:t>, ezt </a:t>
+            </a:r>
+            <a:r>
+              <a:rPr lang="en-US" dirty="0" err="1"/>
+              <a:t>csúszóablakos</a:t>
+            </a:r>
+            <a:r>
+              <a:rPr lang="en-US" dirty="0"/>
+              <a:t> </a:t>
+            </a:r>
+            <a:r>
+              <a:rPr lang="en-US" dirty="0" err="1"/>
+              <a:t>módszerrel</a:t>
+            </a:r>
+            <a:r>
+              <a:rPr lang="hu-HU" dirty="0"/>
+              <a:t> valósítja meg.</a:t>
+            </a:r>
             <a:br>
               <a:rPr lang="en-US" dirty="0"/>
             </a:br>
@@ -14086,6 +14210,10 @@
               <a:t>csomag</a:t>
             </a:r>
             <a:r>
+              <a:rPr lang="hu-HU" dirty="0" err="1"/>
+              <a:t>ot</a:t>
+            </a:r>
+            <a:r>
               <a:rPr lang="en-US" dirty="0"/>
               <a:t> </a:t>
             </a:r>
@@ -14121,7 +14249,10 @@
               <a:rPr lang="en-US" dirty="0"/>
               <a:t>.</a:t>
             </a:r>
-            <a:endParaRPr lang="hu-HU" dirty="0"/>
+            <a:r>
+              <a:rPr lang="hu-HU" dirty="0"/>
+              <a:t> (torlódási ablak használata)</a:t>
+            </a:r>
           </a:p>
           <a:p>
             <a:endParaRPr lang="en-US" dirty="0"/>
@@ -14139,9 +14270,10 @@
               <a:rPr lang="en-US" dirty="0" err="1"/>
               <a:t>betöltése</a:t>
             </a:r>
-            <a:endParaRPr lang="en-US" dirty="0"/>
-          </a:p>
-          <a:p>
+            <a:r>
+              <a:rPr lang="hu-HU" dirty="0"/>
+              <a:t>, </a:t>
+            </a:r>
             <a:r>
               <a:rPr lang="en-US" dirty="0"/>
               <a:t>REST API-</a:t>
@@ -14150,9 +14282,10 @@
               <a:rPr lang="en-US" dirty="0" err="1"/>
               <a:t>hívások</a:t>
             </a:r>
-            <a:endParaRPr lang="en-US" dirty="0"/>
-          </a:p>
-          <a:p>
+            <a:r>
+              <a:rPr lang="hu-HU" dirty="0"/>
+              <a:t>, </a:t>
+            </a:r>
             <a:r>
               <a:rPr lang="en-US" dirty="0"/>
               <a:t>File </a:t>
@@ -14169,9 +14302,10 @@
               <a:rPr lang="en-US" dirty="0" err="1"/>
               <a:t>feltöltés</a:t>
             </a:r>
-            <a:endParaRPr lang="en-US" dirty="0"/>
-          </a:p>
-          <a:p>
+            <a:r>
+              <a:rPr lang="hu-HU" dirty="0"/>
+              <a:t>: </a:t>
+            </a:r>
             <a:r>
               <a:rPr lang="en-US" dirty="0" err="1"/>
               <a:t>Mindez</a:t>
@@ -14205,12 +14339,12 @@
               <a:t> a </a:t>
             </a:r>
             <a:r>
-              <a:rPr lang="en-US" dirty="0" err="1"/>
-              <a:t>pontosság</a:t>
-            </a:r>
-            <a:r>
-              <a:rPr lang="en-US" dirty="0"/>
-              <a:t> és </a:t>
+              <a:rPr lang="hu-HU" dirty="0"/>
+              <a:t>sorrendhelyesség és a</a:t>
+            </a:r>
+            <a:r>
+              <a:rPr lang="en-US" dirty="0"/>
+              <a:t> </a:t>
             </a:r>
             <a:r>
               <a:rPr lang="en-US" dirty="0" err="1"/>
@@ -14223,6 +14357,10 @@
             <a:r>
               <a:rPr lang="en-US" dirty="0" err="1"/>
               <a:t>fontos</a:t>
+            </a:r>
+            <a:r>
+              <a:rPr lang="hu-HU" dirty="0"/>
+              <a:t>.</a:t>
             </a:r>
             <a:endParaRPr lang="en-US" dirty="0"/>
           </a:p>
@@ -14550,7 +14688,7 @@
           <a:p>
             <a:fld id="{E80C50CD-E178-4744-9B35-B2F624D6C5E9}" type="datetimeFigureOut">
               <a:rPr lang="en-US" smtClean="0"/>
-              <a:t>1/5/2026</a:t>
+              <a:t>2/7/2026</a:t>
             </a:fld>
             <a:endParaRPr lang="en-US"/>
           </a:p>
@@ -14748,7 +14886,7 @@
           <a:p>
             <a:fld id="{E80C50CD-E178-4744-9B35-B2F624D6C5E9}" type="datetimeFigureOut">
               <a:rPr lang="en-US" smtClean="0"/>
-              <a:t>1/5/2026</a:t>
+              <a:t>2/7/2026</a:t>
             </a:fld>
             <a:endParaRPr lang="en-US"/>
           </a:p>
@@ -14956,7 +15094,7 @@
           <a:p>
             <a:fld id="{E80C50CD-E178-4744-9B35-B2F624D6C5E9}" type="datetimeFigureOut">
               <a:rPr lang="en-US" smtClean="0"/>
-              <a:t>1/5/2026</a:t>
+              <a:t>2/7/2026</a:t>
             </a:fld>
             <a:endParaRPr lang="en-US"/>
           </a:p>
@@ -15206,7 +15344,7 @@
           <a:p>
             <a:fld id="{E80C50CD-E178-4744-9B35-B2F624D6C5E9}" type="datetimeFigureOut">
               <a:rPr lang="en-US" smtClean="0"/>
-              <a:t>1/5/2026</a:t>
+              <a:t>2/7/2026</a:t>
             </a:fld>
             <a:endParaRPr lang="en-US"/>
           </a:p>
@@ -15485,7 +15623,7 @@
           <a:p>
             <a:fld id="{E80C50CD-E178-4744-9B35-B2F624D6C5E9}" type="datetimeFigureOut">
               <a:rPr lang="en-US" smtClean="0"/>
-              <a:t>1/5/2026</a:t>
+              <a:t>2/7/2026</a:t>
             </a:fld>
             <a:endParaRPr lang="en-US"/>
           </a:p>
@@ -15802,7 +15940,7 @@
           <a:p>
             <a:fld id="{E80C50CD-E178-4744-9B35-B2F624D6C5E9}" type="datetimeFigureOut">
               <a:rPr lang="en-US" smtClean="0"/>
-              <a:t>1/5/2026</a:t>
+              <a:t>2/7/2026</a:t>
             </a:fld>
             <a:endParaRPr lang="en-US"/>
           </a:p>
@@ -16218,7 +16356,7 @@
           <a:p>
             <a:fld id="{E80C50CD-E178-4744-9B35-B2F624D6C5E9}" type="datetimeFigureOut">
               <a:rPr lang="en-US" smtClean="0"/>
-              <a:t>1/5/2026</a:t>
+              <a:t>2/7/2026</a:t>
             </a:fld>
             <a:endParaRPr lang="en-US"/>
           </a:p>
@@ -16359,7 +16497,7 @@
           <a:p>
             <a:fld id="{E80C50CD-E178-4744-9B35-B2F624D6C5E9}" type="datetimeFigureOut">
               <a:rPr lang="en-US" smtClean="0"/>
-              <a:t>1/5/2026</a:t>
+              <a:t>2/7/2026</a:t>
             </a:fld>
             <a:endParaRPr lang="en-US"/>
           </a:p>
@@ -16472,7 +16610,7 @@
           <a:p>
             <a:fld id="{E80C50CD-E178-4744-9B35-B2F624D6C5E9}" type="datetimeFigureOut">
               <a:rPr lang="en-US" smtClean="0"/>
-              <a:t>1/5/2026</a:t>
+              <a:t>2/7/2026</a:t>
             </a:fld>
             <a:endParaRPr lang="en-US"/>
           </a:p>
@@ -16789,7 +16927,7 @@
           <a:p>
             <a:fld id="{E80C50CD-E178-4744-9B35-B2F624D6C5E9}" type="datetimeFigureOut">
               <a:rPr lang="en-US" smtClean="0"/>
-              <a:t>1/5/2026</a:t>
+              <a:t>2/7/2026</a:t>
             </a:fld>
             <a:endParaRPr lang="en-US"/>
           </a:p>
@@ -17081,7 +17219,7 @@
           <a:p>
             <a:fld id="{E80C50CD-E178-4744-9B35-B2F624D6C5E9}" type="datetimeFigureOut">
               <a:rPr lang="en-US" smtClean="0"/>
-              <a:t>1/5/2026</a:t>
+              <a:t>2/7/2026</a:t>
             </a:fld>
             <a:endParaRPr lang="en-US"/>
           </a:p>
@@ -17321,7 +17459,7 @@
             <a:fld id="{E80C50CD-E178-4744-9B35-B2F624D6C5E9}" type="datetimeFigureOut">
               <a:rPr lang="en-US" smtClean="0"/>
               <a:pPr/>
-              <a:t>1/5/2026</a:t>
+              <a:t>2/7/2026</a:t>
             </a:fld>
             <a:endParaRPr lang="en-US"/>
           </a:p>
@@ -18562,7 +18700,7 @@
               <a:t> </a:t>
             </a:r>
             <a:r>
-              <a:rPr kumimoji="0" lang="en-US" altLang="en-US" b="0" i="0" u="none" strike="noStrike" cap="none" normalizeH="0" baseline="0" dirty="0" err="1">
+              <a:rPr kumimoji="0" lang="en-US" altLang="en-US" b="1" i="0" u="none" strike="noStrike" cap="none" normalizeH="0" baseline="0" dirty="0" err="1">
                 <a:ln>
                   <a:noFill/>
                 </a:ln>
@@ -18624,7 +18762,7 @@
               <a:t> </a:t>
             </a:r>
             <a:r>
-              <a:rPr kumimoji="0" lang="en-US" altLang="en-US" b="0" i="0" u="none" strike="noStrike" cap="none" normalizeH="0" baseline="0" dirty="0" err="1">
+              <a:rPr kumimoji="0" lang="en-US" altLang="en-US" b="1" i="0" u="none" strike="noStrike" cap="none" normalizeH="0" baseline="0" dirty="0" err="1">
                 <a:ln>
                   <a:noFill/>
                 </a:ln>
@@ -18632,6 +18770,36 @@
                 <a:latin typeface="Arial" panose="020B0604020202020204" pitchFamily="34" charset="0"/>
               </a:rPr>
               <a:t>Háromlépcsős</a:t>
+            </a:r>
+            <a:r>
+              <a:rPr kumimoji="0" lang="en-US" altLang="en-US" b="1" i="0" u="none" strike="noStrike" cap="none" normalizeH="0" baseline="0" dirty="0">
+                <a:ln>
+                  <a:noFill/>
+                </a:ln>
+                <a:effectLst/>
+                <a:latin typeface="Arial" panose="020B0604020202020204" pitchFamily="34" charset="0"/>
+              </a:rPr>
+              <a:t> </a:t>
+            </a:r>
+            <a:r>
+              <a:rPr kumimoji="0" lang="en-US" altLang="en-US" b="1" i="0" u="none" strike="noStrike" cap="none" normalizeH="0" baseline="0" dirty="0" err="1">
+                <a:ln>
+                  <a:noFill/>
+                </a:ln>
+                <a:effectLst/>
+                <a:latin typeface="Arial" panose="020B0604020202020204" pitchFamily="34" charset="0"/>
+              </a:rPr>
+              <a:t>kézfogás</a:t>
+            </a:r>
+            <a:r>
+              <a:rPr kumimoji="0" lang="en-US" altLang="en-US" b="1" i="0" u="none" strike="noStrike" cap="none" normalizeH="0" baseline="0" dirty="0">
+                <a:ln>
+                  <a:noFill/>
+                </a:ln>
+                <a:effectLst/>
+                <a:latin typeface="Arial" panose="020B0604020202020204" pitchFamily="34" charset="0"/>
+              </a:rPr>
+              <a:t> </a:t>
             </a:r>
             <a:r>
               <a:rPr kumimoji="0" lang="en-US" altLang="en-US" b="0" i="0" u="none" strike="noStrike" cap="none" normalizeH="0" baseline="0" dirty="0">
@@ -18641,27 +18809,7 @@
                 <a:effectLst/>
                 <a:latin typeface="Arial" panose="020B0604020202020204" pitchFamily="34" charset="0"/>
               </a:rPr>
-              <a:t> </a:t>
-            </a:r>
-            <a:r>
-              <a:rPr kumimoji="0" lang="en-US" altLang="en-US" b="0" i="0" u="none" strike="noStrike" cap="none" normalizeH="0" baseline="0" dirty="0" err="1">
-                <a:ln>
-                  <a:noFill/>
-                </a:ln>
-                <a:effectLst/>
-                <a:latin typeface="Arial" panose="020B0604020202020204" pitchFamily="34" charset="0"/>
-              </a:rPr>
-              <a:t>kézfogás</a:t>
-            </a:r>
-            <a:r>
-              <a:rPr kumimoji="0" lang="en-US" altLang="en-US" b="0" i="0" u="none" strike="noStrike" cap="none" normalizeH="0" baseline="0" dirty="0">
-                <a:ln>
-                  <a:noFill/>
-                </a:ln>
-                <a:effectLst/>
-                <a:latin typeface="Arial" panose="020B0604020202020204" pitchFamily="34" charset="0"/>
-              </a:rPr>
-              <a:t> (3-way handshake)</a:t>
+              <a:t>(3-way handshake)</a:t>
             </a:r>
             <a:endParaRPr kumimoji="0" lang="hu-HU" altLang="en-US" b="0" i="0" u="none" strike="noStrike" cap="none" normalizeH="0" baseline="0" dirty="0">
               <a:ln>
@@ -18792,7 +18940,7 @@
               <a:t> </a:t>
             </a:r>
             <a:r>
-              <a:rPr kumimoji="0" lang="en-US" altLang="en-US" b="0" i="0" u="none" strike="noStrike" cap="none" normalizeH="0" baseline="0" dirty="0" err="1">
+              <a:rPr kumimoji="0" lang="en-US" altLang="en-US" b="1" i="0" u="none" strike="noStrike" cap="none" normalizeH="0" baseline="0" dirty="0" err="1">
                 <a:ln>
                   <a:noFill/>
                 </a:ln>
@@ -18812,7 +18960,7 @@
               <a:t>, </a:t>
             </a:r>
             <a:r>
-              <a:rPr kumimoji="0" lang="en-US" altLang="en-US" b="0" i="0" u="none" strike="noStrike" cap="none" normalizeH="0" baseline="0" dirty="0" err="1">
+              <a:rPr kumimoji="0" lang="en-US" altLang="en-US" b="1" i="0" u="none" strike="noStrike" cap="none" normalizeH="0" baseline="0" dirty="0" err="1">
                 <a:ln>
                   <a:noFill/>
                 </a:ln>
@@ -19322,7 +19470,7 @@
         <p:spPr>
           <a:xfrm>
             <a:off x="521208" y="978408"/>
-            <a:ext cx="8732520" cy="1088141"/>
+            <a:ext cx="8732520" cy="893121"/>
           </a:xfrm>
         </p:spPr>
         <p:txBody>
@@ -19361,8 +19509,8 @@
         </p:nvSpPr>
         <p:spPr bwMode="auto">
           <a:xfrm>
-            <a:off x="521208" y="2578608"/>
-            <a:ext cx="8732520" cy="3767328"/>
+            <a:off x="553973" y="2278026"/>
+            <a:ext cx="8660313" cy="3225466"/>
           </a:xfrm>
           <a:prstGeom prst="rect">
             <a:avLst/>
@@ -19419,26 +19567,46 @@
               <a:tabLst/>
             </a:pPr>
             <a:r>
-              <a:rPr kumimoji="0" lang="hu-HU" altLang="en-US" b="0" i="0" u="none" strike="noStrike" cap="none" normalizeH="0" baseline="0" dirty="0">
+              <a:rPr kumimoji="0" lang="hu-HU" altLang="en-US" sz="2400" b="0" i="0" u="none" strike="noStrike" cap="none" normalizeH="0" baseline="0" dirty="0">
                 <a:ln>
                   <a:noFill/>
                 </a:ln>
                 <a:effectLst/>
                 <a:latin typeface="Arial" panose="020B0604020202020204" pitchFamily="34" charset="0"/>
               </a:rPr>
-              <a:t> Megbízhatatlan, k</a:t>
-            </a:r>
-            <a:r>
-              <a:rPr kumimoji="0" lang="en-US" altLang="en-US" b="0" i="0" u="none" strike="noStrike" cap="none" normalizeH="0" baseline="0" dirty="0" err="1">
+              <a:t> </a:t>
+            </a:r>
+            <a:r>
+              <a:rPr kumimoji="0" lang="hu-HU" altLang="en-US" sz="2400" b="1" i="0" u="none" strike="noStrike" cap="none" normalizeH="0" baseline="0" dirty="0">
                 <a:ln>
                   <a:noFill/>
                 </a:ln>
                 <a:effectLst/>
                 <a:latin typeface="Arial" panose="020B0604020202020204" pitchFamily="34" charset="0"/>
               </a:rPr>
+              <a:t>Megbízhatatlan</a:t>
+            </a:r>
+            <a:r>
+              <a:rPr kumimoji="0" lang="hu-HU" altLang="en-US" sz="2400" b="0" i="0" u="none" strike="noStrike" cap="none" normalizeH="0" baseline="0" dirty="0">
+                <a:ln>
+                  <a:noFill/>
+                </a:ln>
+                <a:effectLst/>
+                <a:latin typeface="Arial" panose="020B0604020202020204" pitchFamily="34" charset="0"/>
+              </a:rPr>
+              <a:t>, k</a:t>
+            </a:r>
+            <a:r>
+              <a:rPr kumimoji="0" lang="en-US" altLang="en-US" sz="2400" b="0" i="0" u="none" strike="noStrike" cap="none" normalizeH="0" baseline="0" dirty="0" err="1">
+                <a:ln>
+                  <a:noFill/>
+                </a:ln>
+                <a:effectLst/>
+                <a:latin typeface="Arial" panose="020B0604020202020204" pitchFamily="34" charset="0"/>
+              </a:rPr>
               <a:t>apcsolatmentes</a:t>
             </a:r>
-            <a:endParaRPr kumimoji="0" lang="en-US" altLang="en-US" b="0" i="0" u="none" strike="noStrike" cap="none" normalizeH="0" baseline="0" dirty="0">
+            <a:endParaRPr kumimoji="0" lang="en-US" altLang="en-US" sz="2400" b="0" i="0" u="none" strike="noStrike" cap="none" normalizeH="0" baseline="0" dirty="0">
               <a:ln>
                 <a:noFill/>
               </a:ln>
@@ -19461,7 +19629,7 @@
               <a:tabLst/>
             </a:pPr>
             <a:r>
-              <a:rPr kumimoji="0" lang="hu-HU" altLang="en-US" b="0" i="0" u="none" strike="noStrike" cap="none" normalizeH="0" baseline="0" dirty="0">
+              <a:rPr kumimoji="0" lang="hu-HU" altLang="en-US" sz="2400" b="0" i="0" u="none" strike="noStrike" cap="none" normalizeH="0" baseline="0" dirty="0">
                 <a:ln>
                   <a:noFill/>
                 </a:ln>
@@ -19471,7 +19639,7 @@
               <a:t> </a:t>
             </a:r>
             <a:r>
-              <a:rPr kumimoji="0" lang="en-US" altLang="en-US" b="0" i="0" u="none" strike="noStrike" cap="none" normalizeH="0" baseline="0" dirty="0">
+              <a:rPr kumimoji="0" lang="en-US" altLang="en-US" sz="2400" b="0" i="0" u="none" strike="noStrike" cap="none" normalizeH="0" baseline="0" dirty="0">
                 <a:ln>
                   <a:noFill/>
                 </a:ln>
@@ -19481,7 +19649,7 @@
               <a:t>Nem </a:t>
             </a:r>
             <a:r>
-              <a:rPr kumimoji="0" lang="en-US" altLang="en-US" b="0" i="0" u="none" strike="noStrike" cap="none" normalizeH="0" baseline="0" dirty="0" err="1">
+              <a:rPr kumimoji="0" lang="en-US" altLang="en-US" sz="2400" b="0" i="0" u="none" strike="noStrike" cap="none" normalizeH="0" baseline="0" dirty="0" err="1">
                 <a:ln>
                   <a:noFill/>
                 </a:ln>
@@ -19491,7 +19659,7 @@
               <a:t>garantál</a:t>
             </a:r>
             <a:r>
-              <a:rPr kumimoji="0" lang="en-US" altLang="en-US" b="0" i="0" u="none" strike="noStrike" cap="none" normalizeH="0" baseline="0" dirty="0">
+              <a:rPr kumimoji="0" lang="en-US" altLang="en-US" sz="2400" b="0" i="0" u="none" strike="noStrike" cap="none" normalizeH="0" baseline="0" dirty="0">
                 <a:ln>
                   <a:noFill/>
                 </a:ln>
@@ -19501,7 +19669,7 @@
               <a:t> </a:t>
             </a:r>
             <a:r>
-              <a:rPr kumimoji="0" lang="en-US" altLang="en-US" b="0" i="0" u="none" strike="noStrike" cap="none" normalizeH="0" baseline="0" dirty="0" err="1">
+              <a:rPr kumimoji="0" lang="en-US" altLang="en-US" sz="2400" b="0" i="0" u="none" strike="noStrike" cap="none" normalizeH="0" baseline="0" dirty="0" err="1">
                 <a:ln>
                   <a:noFill/>
                 </a:ln>
@@ -19510,7 +19678,7 @@
               </a:rPr>
               <a:t>semmit</a:t>
             </a:r>
-            <a:endParaRPr kumimoji="0" lang="hu-HU" altLang="en-US" b="0" i="0" u="none" strike="noStrike" cap="none" normalizeH="0" baseline="0" dirty="0">
+            <a:endParaRPr kumimoji="0" lang="hu-HU" altLang="en-US" sz="2400" b="0" i="0" u="none" strike="noStrike" cap="none" normalizeH="0" baseline="0" dirty="0">
               <a:ln>
                 <a:noFill/>
               </a:ln>
@@ -19533,28 +19701,18 @@
               <a:tabLst/>
             </a:pPr>
             <a:r>
-              <a:rPr lang="hu-HU" altLang="en-US" dirty="0">
+              <a:rPr lang="hu-HU" altLang="en-US" sz="2400" dirty="0">
                 <a:latin typeface="Arial" panose="020B0604020202020204" pitchFamily="34" charset="0"/>
               </a:rPr>
-              <a:t> Nincs kézfogás, sorszámozás, </a:t>
-            </a:r>
-            <a:r>
-              <a:rPr lang="hu-HU" altLang="en-US" dirty="0" err="1">
+              <a:t> </a:t>
+            </a:r>
+            <a:r>
+              <a:rPr lang="hu-HU" altLang="en-US" sz="2400" b="1" dirty="0">
                 <a:latin typeface="Arial" panose="020B0604020202020204" pitchFamily="34" charset="0"/>
               </a:rPr>
-              <a:t>újraküldés</a:t>
-            </a:r>
-            <a:r>
-              <a:rPr lang="hu-HU" altLang="en-US" dirty="0">
-                <a:latin typeface="Arial" panose="020B0604020202020204" pitchFamily="34" charset="0"/>
-              </a:rPr>
-              <a:t>, nyugta</a:t>
-            </a:r>
-            <a:endParaRPr kumimoji="0" lang="en-US" altLang="en-US" b="0" i="0" u="none" strike="noStrike" cap="none" normalizeH="0" baseline="0" dirty="0">
-              <a:ln>
-                <a:noFill/>
-              </a:ln>
-              <a:effectLst/>
+              <a:t>Nincs kézfogás</a:t>
+            </a:r>
+            <a:endParaRPr lang="hu-HU" altLang="en-US" sz="2400" dirty="0">
               <a:latin typeface="Arial" panose="020B0604020202020204" pitchFamily="34" charset="0"/>
             </a:endParaRPr>
           </a:p>
@@ -19573,46 +19731,24 @@
               <a:tabLst/>
             </a:pPr>
             <a:r>
-              <a:rPr kumimoji="0" lang="hu-HU" altLang="en-US" b="0" i="0" u="none" strike="noStrike" cap="none" normalizeH="0" baseline="0" dirty="0">
-                <a:ln>
-                  <a:noFill/>
-                </a:ln>
-                <a:effectLst/>
+              <a:rPr lang="hu-HU" altLang="en-US" sz="2400" dirty="0">
                 <a:latin typeface="Arial" panose="020B0604020202020204" pitchFamily="34" charset="0"/>
               </a:rPr>
-              <a:t> </a:t>
-            </a:r>
-            <a:r>
-              <a:rPr kumimoji="0" lang="en-US" altLang="en-US" b="0" i="0" u="none" strike="noStrike" cap="none" normalizeH="0" baseline="0" dirty="0" err="1">
-                <a:ln>
-                  <a:noFill/>
-                </a:ln>
-                <a:effectLst/>
+              <a:t> Nincs sorszámozás, </a:t>
+            </a:r>
+            <a:r>
+              <a:rPr lang="hu-HU" altLang="en-US" sz="2400" dirty="0" err="1">
                 <a:latin typeface="Arial" panose="020B0604020202020204" pitchFamily="34" charset="0"/>
               </a:rPr>
-              <a:t>Nagyon</a:t>
-            </a:r>
-            <a:r>
-              <a:rPr kumimoji="0" lang="en-US" altLang="en-US" b="0" i="0" u="none" strike="noStrike" cap="none" normalizeH="0" baseline="0" dirty="0">
-                <a:ln>
-                  <a:noFill/>
-                </a:ln>
-                <a:effectLst/>
+              <a:t>újraküldés</a:t>
+            </a:r>
+            <a:r>
+              <a:rPr lang="hu-HU" altLang="en-US" sz="2400" dirty="0">
                 <a:latin typeface="Arial" panose="020B0604020202020204" pitchFamily="34" charset="0"/>
               </a:rPr>
-              <a:t> </a:t>
-            </a:r>
-            <a:r>
-              <a:rPr kumimoji="0" lang="en-US" altLang="en-US" b="0" i="0" u="none" strike="noStrike" cap="none" normalizeH="0" baseline="0" dirty="0" err="1">
-                <a:ln>
-                  <a:noFill/>
-                </a:ln>
-                <a:effectLst/>
-                <a:latin typeface="Arial" panose="020B0604020202020204" pitchFamily="34" charset="0"/>
-              </a:rPr>
-              <a:t>gyors</a:t>
-            </a:r>
-            <a:endParaRPr kumimoji="0" lang="en-US" altLang="en-US" b="0" i="0" u="none" strike="noStrike" cap="none" normalizeH="0" baseline="0" dirty="0">
+              <a:t>, nyugtázás sem</a:t>
+            </a:r>
+            <a:endParaRPr kumimoji="0" lang="en-US" altLang="en-US" sz="2400" b="0" i="0" u="none" strike="noStrike" cap="none" normalizeH="0" baseline="0" dirty="0">
               <a:ln>
                 <a:noFill/>
               </a:ln>
@@ -19635,7 +19771,7 @@
               <a:tabLst/>
             </a:pPr>
             <a:r>
-              <a:rPr kumimoji="0" lang="hu-HU" altLang="en-US" b="0" i="0" u="none" strike="noStrike" cap="none" normalizeH="0" baseline="0" dirty="0">
+              <a:rPr kumimoji="0" lang="hu-HU" altLang="en-US" sz="2400" b="0" i="0" u="none" strike="noStrike" cap="none" normalizeH="0" baseline="0" dirty="0">
                 <a:ln>
                   <a:noFill/>
                 </a:ln>
@@ -19645,76 +19781,138 @@
               <a:t> </a:t>
             </a:r>
             <a:r>
-              <a:rPr kumimoji="0" lang="en-US" altLang="en-US" b="0" i="0" u="none" strike="noStrike" cap="none" normalizeH="0" baseline="0" dirty="0" err="1">
+              <a:rPr kumimoji="0" lang="en-US" altLang="en-US" sz="2400" b="0" i="0" u="none" strike="noStrike" cap="none" normalizeH="0" baseline="0" dirty="0" err="1">
                 <a:ln>
                   <a:noFill/>
                 </a:ln>
                 <a:effectLst/>
                 <a:latin typeface="Arial" panose="020B0604020202020204" pitchFamily="34" charset="0"/>
               </a:rPr>
-              <a:t>Használata</a:t>
-            </a:r>
-            <a:r>
-              <a:rPr kumimoji="0" lang="en-US" altLang="en-US" b="0" i="0" u="none" strike="noStrike" cap="none" normalizeH="0" baseline="0" dirty="0">
+              <a:t>Nagyon</a:t>
+            </a:r>
+            <a:r>
+              <a:rPr kumimoji="0" lang="en-US" altLang="en-US" sz="2400" b="0" i="0" u="none" strike="noStrike" cap="none" normalizeH="0" baseline="0" dirty="0">
                 <a:ln>
                   <a:noFill/>
                 </a:ln>
                 <a:effectLst/>
                 <a:latin typeface="Arial" panose="020B0604020202020204" pitchFamily="34" charset="0"/>
               </a:rPr>
-              <a:t>: VoIP</a:t>
-            </a:r>
-            <a:r>
-              <a:rPr kumimoji="0" lang="hu-HU" altLang="en-US" b="0" i="0" u="none" strike="noStrike" cap="none" normalizeH="0" baseline="0" dirty="0">
+              <a:t> </a:t>
+            </a:r>
+            <a:r>
+              <a:rPr kumimoji="0" lang="en-US" altLang="en-US" sz="2400" b="0" i="0" u="none" strike="noStrike" cap="none" normalizeH="0" baseline="0" dirty="0" err="1">
                 <a:ln>
                   <a:noFill/>
                 </a:ln>
                 <a:effectLst/>
                 <a:latin typeface="Arial" panose="020B0604020202020204" pitchFamily="34" charset="0"/>
               </a:rPr>
-              <a:t> (RTP)</a:t>
-            </a:r>
-            <a:r>
-              <a:rPr kumimoji="0" lang="en-US" altLang="en-US" b="0" i="0" u="none" strike="noStrike" cap="none" normalizeH="0" baseline="0" dirty="0">
+              <a:t>gyors</a:t>
+            </a:r>
+            <a:endParaRPr kumimoji="0" lang="en-US" altLang="en-US" sz="2400" b="0" i="0" u="none" strike="noStrike" cap="none" normalizeH="0" baseline="0" dirty="0">
+              <a:ln>
+                <a:noFill/>
+              </a:ln>
+              <a:effectLst/>
+              <a:latin typeface="Arial" panose="020B0604020202020204" pitchFamily="34" charset="0"/>
+            </a:endParaRPr>
+          </a:p>
+          <a:p>
+            <a:pPr marL="0" marR="0" lvl="0" indent="0" defTabSz="914400" rtl="0" eaLnBrk="0" fontAlgn="base" latinLnBrk="0" hangingPunct="0">
+              <a:spcBef>
+                <a:spcPct val="0"/>
+              </a:spcBef>
+              <a:spcAft>
+                <a:spcPts val="600"/>
+              </a:spcAft>
+              <a:buClrTx/>
+              <a:buSzTx/>
+              <a:buFontTx/>
+              <a:buChar char="•"/>
+              <a:tabLst/>
+            </a:pPr>
+            <a:r>
+              <a:rPr kumimoji="0" lang="hu-HU" altLang="en-US" sz="2400" b="0" i="0" u="none" strike="noStrike" cap="none" normalizeH="0" baseline="0" dirty="0">
                 <a:ln>
                   <a:noFill/>
                 </a:ln>
                 <a:effectLst/>
                 <a:latin typeface="Arial" panose="020B0604020202020204" pitchFamily="34" charset="0"/>
               </a:rPr>
-              <a:t>, </a:t>
-            </a:r>
-            <a:r>
-              <a:rPr kumimoji="0" lang="en-US" altLang="en-US" b="0" i="0" u="none" strike="noStrike" cap="none" normalizeH="0" baseline="0" dirty="0" err="1">
+              <a:t> </a:t>
+            </a:r>
+            <a:r>
+              <a:rPr kumimoji="0" lang="en-US" altLang="en-US" sz="2400" b="0" i="0" u="none" strike="noStrike" cap="none" normalizeH="0" baseline="0" dirty="0" err="1">
                 <a:ln>
                   <a:noFill/>
                 </a:ln>
                 <a:effectLst/>
                 <a:latin typeface="Arial" panose="020B0604020202020204" pitchFamily="34" charset="0"/>
               </a:rPr>
-              <a:t>videó</a:t>
-            </a:r>
-            <a:r>
-              <a:rPr kumimoji="0" lang="en-US" altLang="en-US" b="0" i="0" u="none" strike="noStrike" cap="none" normalizeH="0" baseline="0" dirty="0">
+              <a:t>Használata</a:t>
+            </a:r>
+            <a:r>
+              <a:rPr kumimoji="0" lang="en-US" altLang="en-US" sz="2400" b="0" i="0" u="none" strike="noStrike" cap="none" normalizeH="0" baseline="0" dirty="0">
                 <a:ln>
                   <a:noFill/>
                 </a:ln>
                 <a:effectLst/>
                 <a:latin typeface="Arial" panose="020B0604020202020204" pitchFamily="34" charset="0"/>
               </a:rPr>
-              <a:t>, gaming</a:t>
-            </a:r>
-            <a:r>
-              <a:rPr kumimoji="0" lang="hu-HU" altLang="en-US" b="0" i="0" u="none" strike="noStrike" cap="none" normalizeH="0" baseline="0" dirty="0">
+              <a:t>: VoIP</a:t>
+            </a:r>
+            <a:r>
+              <a:rPr kumimoji="0" lang="hu-HU" altLang="en-US" sz="2400" b="0" i="0" u="none" strike="noStrike" cap="none" normalizeH="0" baseline="0" dirty="0">
                 <a:ln>
                   <a:noFill/>
                 </a:ln>
                 <a:effectLst/>
                 <a:latin typeface="Arial" panose="020B0604020202020204" pitchFamily="34" charset="0"/>
               </a:rPr>
+              <a:t> (RTP)</a:t>
+            </a:r>
+            <a:r>
+              <a:rPr kumimoji="0" lang="en-US" altLang="en-US" sz="2400" b="0" i="0" u="none" strike="noStrike" cap="none" normalizeH="0" baseline="0" dirty="0">
+                <a:ln>
+                  <a:noFill/>
+                </a:ln>
+                <a:effectLst/>
+                <a:latin typeface="Arial" panose="020B0604020202020204" pitchFamily="34" charset="0"/>
+              </a:rPr>
+              <a:t>, </a:t>
+            </a:r>
+            <a:r>
+              <a:rPr kumimoji="0" lang="en-US" altLang="en-US" sz="2400" b="0" i="0" u="none" strike="noStrike" cap="none" normalizeH="0" baseline="0" dirty="0" err="1">
+                <a:ln>
+                  <a:noFill/>
+                </a:ln>
+                <a:effectLst/>
+                <a:latin typeface="Arial" panose="020B0604020202020204" pitchFamily="34" charset="0"/>
+              </a:rPr>
+              <a:t>videó</a:t>
+            </a:r>
+            <a:r>
+              <a:rPr kumimoji="0" lang="en-US" altLang="en-US" sz="2400" b="0" i="0" u="none" strike="noStrike" cap="none" normalizeH="0" baseline="0" dirty="0">
+                <a:ln>
+                  <a:noFill/>
+                </a:ln>
+                <a:effectLst/>
+                <a:latin typeface="Arial" panose="020B0604020202020204" pitchFamily="34" charset="0"/>
+              </a:rPr>
+              <a:t>, gaming</a:t>
+            </a:r>
+            <a:r>
+              <a:rPr kumimoji="0" lang="hu-HU" altLang="en-US" sz="2400" b="0" i="0" u="none" strike="noStrike" cap="none" normalizeH="0" baseline="0" dirty="0">
+                <a:ln>
+                  <a:noFill/>
+                </a:ln>
+                <a:effectLst/>
+                <a:latin typeface="Arial" panose="020B0604020202020204" pitchFamily="34" charset="0"/>
+              </a:rPr>
               <a:t>, DNS</a:t>
             </a:r>
-            <a:endParaRPr kumimoji="0" lang="en-US" altLang="en-US" b="0" i="0" u="none" strike="noStrike" cap="none" normalizeH="0" baseline="0" dirty="0">
+            <a:endParaRPr kumimoji="0" lang="en-US" altLang="en-US" sz="2400" b="0" i="0" u="none" strike="noStrike" cap="none" normalizeH="0" baseline="0" dirty="0">
               <a:ln>
                 <a:noFill/>
               </a:ln>
@@ -23152,8 +23350,8 @@
         </p:nvSpPr>
         <p:spPr bwMode="auto">
           <a:xfrm>
-            <a:off x="675032" y="2535457"/>
-            <a:ext cx="7558608" cy="2862322"/>
+            <a:off x="515112" y="2229936"/>
+            <a:ext cx="9840568" cy="3170099"/>
           </a:xfrm>
           <a:prstGeom prst="rect">
             <a:avLst/>
@@ -23193,7 +23391,7 @@
           </a:extLst>
         </p:spPr>
         <p:txBody>
-          <a:bodyPr vert="horz" wrap="none" lIns="91440" tIns="45720" rIns="91440" bIns="45720" numCol="1" anchor="ctr" anchorCtr="0" compatLnSpc="1">
+          <a:bodyPr vert="horz" wrap="square" lIns="91440" tIns="45720" rIns="91440" bIns="45720" numCol="1" anchor="ctr" anchorCtr="0" compatLnSpc="1">
             <a:prstTxWarp prst="textNoShape">
               <a:avLst/>
             </a:prstTxWarp>
@@ -23218,7 +23416,7 @@
               <a:tabLst/>
             </a:pPr>
             <a:r>
-              <a:rPr kumimoji="0" lang="hu-HU" altLang="en-US" sz="1800" b="0" i="0" u="none" strike="noStrike" cap="none" normalizeH="0" baseline="0" dirty="0">
+              <a:rPr kumimoji="0" lang="hu-HU" altLang="en-US" sz="2000" b="0" i="0" u="none" strike="noStrike" cap="none" normalizeH="0" baseline="0" dirty="0">
                 <a:ln>
                   <a:noFill/>
                 </a:ln>
@@ -23231,7 +23429,7 @@
               <a:t> </a:t>
             </a:r>
             <a:r>
-              <a:rPr kumimoji="0" lang="en-US" altLang="en-US" sz="1800" b="0" i="0" u="none" strike="noStrike" cap="none" normalizeH="0" baseline="0" dirty="0" err="1">
+              <a:rPr kumimoji="0" lang="en-US" altLang="en-US" sz="2000" b="1" i="0" u="none" strike="noStrike" cap="none" normalizeH="0" baseline="0" dirty="0" err="1">
                 <a:ln>
                   <a:noFill/>
                 </a:ln>
@@ -23244,7 +23442,7 @@
               <a:t>Kliens</a:t>
             </a:r>
             <a:r>
-              <a:rPr kumimoji="0" lang="en-US" altLang="en-US" sz="1800" b="0" i="0" u="none" strike="noStrike" cap="none" normalizeH="0" baseline="0" dirty="0">
+              <a:rPr kumimoji="0" lang="en-US" altLang="en-US" sz="2000" b="1" i="0" u="none" strike="noStrike" cap="none" normalizeH="0" baseline="0" dirty="0">
                 <a:ln>
                   <a:noFill/>
                 </a:ln>
@@ -23257,7 +23455,7 @@
               <a:t>–</a:t>
             </a:r>
             <a:r>
-              <a:rPr kumimoji="0" lang="en-US" altLang="en-US" sz="1800" b="0" i="0" u="none" strike="noStrike" cap="none" normalizeH="0" baseline="0" dirty="0" err="1">
+              <a:rPr kumimoji="0" lang="en-US" altLang="en-US" sz="2000" b="1" i="0" u="none" strike="noStrike" cap="none" normalizeH="0" baseline="0" dirty="0" err="1">
                 <a:ln>
                   <a:noFill/>
                 </a:ln>
@@ -23270,10 +23468,16 @@
               <a:t>szerver</a:t>
             </a:r>
             <a:r>
-              <a:rPr lang="hu-HU" altLang="en-US" dirty="0">
+              <a:rPr lang="hu-HU" altLang="en-US" sz="2000" b="1" dirty="0">
                 <a:latin typeface="Arial" panose="020B0604020202020204" pitchFamily="34" charset="0"/>
               </a:rPr>
-              <a:t> alapú</a:t>
+              <a:t> </a:t>
+            </a:r>
+            <a:r>
+              <a:rPr lang="hu-HU" altLang="en-US" sz="2000" dirty="0">
+                <a:latin typeface="Arial" panose="020B0604020202020204" pitchFamily="34" charset="0"/>
+              </a:rPr>
+              <a:t>alapú</a:t>
             </a:r>
           </a:p>
           <a:p>
@@ -23292,7 +23496,7 @@
               <a:buNone/>
               <a:tabLst/>
             </a:pPr>
-            <a:endParaRPr kumimoji="0" lang="en-US" altLang="en-US" sz="1800" b="0" i="0" u="none" strike="noStrike" cap="none" normalizeH="0" baseline="0" dirty="0">
+            <a:endParaRPr kumimoji="0" lang="en-US" altLang="en-US" sz="2000" b="0" i="0" u="none" strike="noStrike" cap="none" normalizeH="0" baseline="0" dirty="0">
               <a:ln>
                 <a:noFill/>
               </a:ln>
@@ -23321,7 +23525,7 @@
               <a:tabLst/>
             </a:pPr>
             <a:r>
-              <a:rPr kumimoji="0" lang="hu-HU" altLang="en-US" sz="1800" b="0" i="0" u="none" strike="noStrike" cap="none" normalizeH="0" baseline="0" dirty="0">
+              <a:rPr kumimoji="0" lang="hu-HU" altLang="en-US" sz="2000" b="0" i="0" u="none" strike="noStrike" cap="none" normalizeH="0" baseline="0" dirty="0">
                 <a:ln>
                   <a:noFill/>
                 </a:ln>
@@ -23334,7 +23538,7 @@
               <a:t> </a:t>
             </a:r>
             <a:r>
-              <a:rPr kumimoji="0" lang="en-US" altLang="en-US" sz="1800" b="0" i="0" u="none" strike="noStrike" cap="none" normalizeH="0" baseline="0" dirty="0" err="1">
+              <a:rPr kumimoji="0" lang="en-US" altLang="en-US" sz="2000" b="0" i="0" u="none" strike="noStrike" cap="none" normalizeH="0" baseline="0" dirty="0" err="1">
                 <a:ln>
                   <a:noFill/>
                 </a:ln>
@@ -23347,7 +23551,7 @@
               <a:t>Kérések</a:t>
             </a:r>
             <a:r>
-              <a:rPr kumimoji="0" lang="en-US" altLang="en-US" sz="1800" b="0" i="0" u="none" strike="noStrike" cap="none" normalizeH="0" baseline="0" dirty="0">
+              <a:rPr kumimoji="0" lang="en-US" altLang="en-US" sz="2000" b="0" i="0" u="none" strike="noStrike" cap="none" normalizeH="0" baseline="0" dirty="0">
                 <a:ln>
                   <a:noFill/>
                 </a:ln>
@@ -23360,7 +23564,7 @@
               <a:t> és </a:t>
             </a:r>
             <a:r>
-              <a:rPr kumimoji="0" lang="en-US" altLang="en-US" sz="1800" b="0" i="0" u="none" strike="noStrike" cap="none" normalizeH="0" baseline="0" dirty="0" err="1">
+              <a:rPr kumimoji="0" lang="en-US" altLang="en-US" sz="2000" b="0" i="0" u="none" strike="noStrike" cap="none" normalizeH="0" baseline="0" dirty="0" err="1">
                 <a:ln>
                   <a:noFill/>
                 </a:ln>
@@ -23372,7 +23576,7 @@
               </a:rPr>
               <a:t>válaszok</a:t>
             </a:r>
-            <a:endParaRPr kumimoji="0" lang="hu-HU" altLang="en-US" sz="1800" b="0" i="0" u="none" strike="noStrike" cap="none" normalizeH="0" baseline="0" dirty="0">
+            <a:endParaRPr kumimoji="0" lang="hu-HU" altLang="en-US" sz="2000" b="0" i="0" u="none" strike="noStrike" cap="none" normalizeH="0" baseline="0" dirty="0">
               <a:ln>
                 <a:noFill/>
               </a:ln>
@@ -23399,7 +23603,7 @@
               <a:buNone/>
               <a:tabLst/>
             </a:pPr>
-            <a:endParaRPr kumimoji="0" lang="en-US" altLang="en-US" sz="1800" b="0" i="0" u="none" strike="noStrike" cap="none" normalizeH="0" baseline="0" dirty="0">
+            <a:endParaRPr kumimoji="0" lang="en-US" altLang="en-US" sz="2000" b="0" i="0" u="none" strike="noStrike" cap="none" normalizeH="0" baseline="0" dirty="0">
               <a:ln>
                 <a:noFill/>
               </a:ln>
@@ -23428,7 +23632,7 @@
               <a:tabLst/>
             </a:pPr>
             <a:r>
-              <a:rPr kumimoji="0" lang="hu-HU" altLang="en-US" sz="1800" b="0" i="0" u="none" strike="noStrike" cap="none" normalizeH="0" baseline="0" dirty="0">
+              <a:rPr kumimoji="0" lang="hu-HU" altLang="en-US" sz="2000" b="0" i="0" u="none" strike="noStrike" cap="none" normalizeH="0" baseline="0" dirty="0">
                 <a:ln>
                   <a:noFill/>
                 </a:ln>
@@ -23441,7 +23645,7 @@
               <a:t> </a:t>
             </a:r>
             <a:r>
-              <a:rPr kumimoji="0" lang="en-US" altLang="en-US" sz="1800" b="0" i="0" u="none" strike="noStrike" cap="none" normalizeH="0" baseline="0" dirty="0" err="1">
+              <a:rPr kumimoji="0" lang="en-US" altLang="en-US" sz="2000" b="1" i="0" u="none" strike="noStrike" cap="none" normalizeH="0" baseline="0" dirty="0" err="1">
                 <a:ln>
                   <a:noFill/>
                 </a:ln>
@@ -23454,7 +23658,7 @@
               <a:t>Állapotmentes</a:t>
             </a:r>
             <a:r>
-              <a:rPr lang="hu-HU" altLang="en-US" dirty="0">
+              <a:rPr lang="hu-HU" altLang="en-US" sz="2000" dirty="0">
                 <a:latin typeface="Arial" panose="020B0604020202020204" pitchFamily="34" charset="0"/>
               </a:rPr>
               <a:t>: minden kérés önálló</a:t>
@@ -23476,7 +23680,7 @@
               <a:buNone/>
               <a:tabLst/>
             </a:pPr>
-            <a:endParaRPr kumimoji="0" lang="en-US" altLang="en-US" sz="1800" b="0" i="0" u="none" strike="noStrike" cap="none" normalizeH="0" baseline="0" dirty="0">
+            <a:endParaRPr kumimoji="0" lang="en-US" altLang="en-US" sz="2000" b="0" i="0" u="none" strike="noStrike" cap="none" normalizeH="0" baseline="0" dirty="0">
               <a:ln>
                 <a:noFill/>
               </a:ln>
@@ -23505,7 +23709,7 @@
               <a:tabLst/>
             </a:pPr>
             <a:r>
-              <a:rPr kumimoji="0" lang="hu-HU" altLang="en-US" sz="1800" b="0" i="0" u="none" strike="noStrike" cap="none" normalizeH="0" baseline="0" dirty="0">
+              <a:rPr kumimoji="0" lang="hu-HU" altLang="en-US" sz="2000" b="0" i="0" u="none" strike="noStrike" cap="none" normalizeH="0" baseline="0" dirty="0">
                 <a:ln>
                   <a:noFill/>
                 </a:ln>
@@ -23518,7 +23722,7 @@
               <a:t> </a:t>
             </a:r>
             <a:r>
-              <a:rPr kumimoji="0" lang="en-US" altLang="en-US" sz="1800" b="0" i="0" u="none" strike="noStrike" cap="none" normalizeH="0" baseline="0" dirty="0" err="1">
+              <a:rPr kumimoji="0" lang="en-US" altLang="en-US" sz="2000" b="0" i="0" u="none" strike="noStrike" cap="none" normalizeH="0" baseline="0" dirty="0" err="1">
                 <a:ln>
                   <a:noFill/>
                 </a:ln>
@@ -23531,7 +23735,7 @@
               <a:t>Módszerek</a:t>
             </a:r>
             <a:r>
-              <a:rPr kumimoji="0" lang="en-US" altLang="en-US" sz="1800" b="0" i="0" u="none" strike="noStrike" cap="none" normalizeH="0" baseline="0" dirty="0">
+              <a:rPr kumimoji="0" lang="en-US" altLang="en-US" sz="2000" b="0" i="0" u="none" strike="noStrike" cap="none" normalizeH="0" baseline="0" dirty="0">
                 <a:ln>
                   <a:noFill/>
                 </a:ln>
@@ -23544,7 +23748,7 @@
               <a:t>: GET, POST, PUT</a:t>
             </a:r>
             <a:r>
-              <a:rPr kumimoji="0" lang="hu-HU" altLang="en-US" sz="1800" b="0" i="0" u="none" strike="noStrike" cap="none" normalizeH="0" baseline="0" dirty="0">
+              <a:rPr kumimoji="0" lang="hu-HU" altLang="en-US" sz="2000" b="0" i="0" u="none" strike="noStrike" cap="none" normalizeH="0" baseline="0" dirty="0">
                 <a:ln>
                   <a:noFill/>
                 </a:ln>
@@ -23557,7 +23761,7 @@
               <a:t>, </a:t>
             </a:r>
             <a:r>
-              <a:rPr kumimoji="0" lang="hu-HU" altLang="en-US" sz="1800" b="0" i="0" u="none" strike="noStrike" cap="none" normalizeH="0" baseline="0" dirty="0" err="1">
+              <a:rPr kumimoji="0" lang="hu-HU" altLang="en-US" sz="2000" b="0" i="0" u="none" strike="noStrike" cap="none" normalizeH="0" baseline="0" dirty="0" err="1">
                 <a:ln>
                   <a:noFill/>
                 </a:ln>
@@ -23569,7 +23773,7 @@
               </a:rPr>
               <a:t>stb</a:t>
             </a:r>
-            <a:endParaRPr kumimoji="0" lang="hu-HU" altLang="en-US" sz="1800" b="0" i="0" u="none" strike="noStrike" cap="none" normalizeH="0" baseline="0" dirty="0">
+            <a:endParaRPr kumimoji="0" lang="hu-HU" altLang="en-US" sz="2000" b="0" i="0" u="none" strike="noStrike" cap="none" normalizeH="0" baseline="0" dirty="0">
               <a:ln>
                 <a:noFill/>
               </a:ln>
@@ -23596,7 +23800,7 @@
               <a:buNone/>
               <a:tabLst/>
             </a:pPr>
-            <a:endParaRPr lang="hu-HU" altLang="en-US" dirty="0">
+            <a:endParaRPr lang="hu-HU" altLang="en-US" sz="2000" dirty="0">
               <a:latin typeface="Arial" panose="020B0604020202020204" pitchFamily="34" charset="0"/>
             </a:endParaRPr>
           </a:p>
@@ -23616,7 +23820,7 @@
               <a:buNone/>
               <a:tabLst/>
             </a:pPr>
-            <a:endParaRPr lang="hu-HU" altLang="en-US" dirty="0">
+            <a:endParaRPr lang="hu-HU" altLang="en-US" sz="2000" dirty="0">
               <a:latin typeface="Arial" panose="020B0604020202020204" pitchFamily="34" charset="0"/>
             </a:endParaRPr>
           </a:p>
@@ -23637,7 +23841,7 @@
               <a:tabLst/>
             </a:pPr>
             <a:r>
-              <a:rPr kumimoji="0" lang="hu-HU" altLang="en-US" sz="1800" b="0" i="0" u="none" strike="noStrike" cap="none" normalizeH="0" baseline="0" dirty="0">
+              <a:rPr kumimoji="0" lang="hu-HU" altLang="en-US" sz="2000" b="0" i="0" u="none" strike="noStrike" cap="none" normalizeH="0" baseline="0" dirty="0">
                 <a:ln>
                   <a:noFill/>
                 </a:ln>
@@ -23649,7 +23853,7 @@
               </a:rPr>
               <a:t>Megjegyzés: A következő órákban erről részletesebben beszélünk majd!</a:t>
             </a:r>
-            <a:endParaRPr kumimoji="0" lang="en-US" altLang="en-US" sz="1800" b="0" i="0" u="none" strike="noStrike" cap="none" normalizeH="0" baseline="0" dirty="0">
+            <a:endParaRPr kumimoji="0" lang="en-US" altLang="en-US" sz="2000" b="0" i="0" u="none" strike="noStrike" cap="none" normalizeH="0" baseline="0" dirty="0">
               <a:ln>
                 <a:noFill/>
               </a:ln>
@@ -23957,8 +24161,8 @@
         </p:nvSpPr>
         <p:spPr bwMode="auto">
           <a:xfrm>
-            <a:off x="811765" y="2354144"/>
-            <a:ext cx="8178411" cy="3139321"/>
+            <a:off x="811765" y="2184867"/>
+            <a:ext cx="9563876" cy="3477875"/>
           </a:xfrm>
           <a:prstGeom prst="rect">
             <a:avLst/>
@@ -24023,7 +24227,7 @@
               <a:tabLst/>
             </a:pPr>
             <a:r>
-              <a:rPr kumimoji="0" lang="hu-HU" altLang="en-US" sz="1800" b="0" i="0" u="none" strike="noStrike" cap="none" normalizeH="0" baseline="0" dirty="0">
+              <a:rPr kumimoji="0" lang="hu-HU" altLang="en-US" sz="2000" b="0" i="0" u="none" strike="noStrike" cap="none" normalizeH="0" baseline="0" dirty="0">
                 <a:ln>
                   <a:noFill/>
                 </a:ln>
@@ -24036,7 +24240,7 @@
               <a:t> </a:t>
             </a:r>
             <a:r>
-              <a:rPr kumimoji="0" lang="en-US" altLang="en-US" sz="1800" b="0" i="0" u="none" strike="noStrike" cap="none" normalizeH="0" baseline="0" dirty="0" err="1">
+              <a:rPr kumimoji="0" lang="en-US" altLang="en-US" sz="2000" b="0" i="0" u="none" strike="noStrike" cap="none" normalizeH="0" baseline="0" dirty="0" err="1">
                 <a:ln>
                   <a:noFill/>
                 </a:ln>
@@ -24048,7 +24252,7 @@
               </a:rPr>
               <a:t>Titkosítás</a:t>
             </a:r>
-            <a:endParaRPr kumimoji="0" lang="hu-HU" altLang="en-US" sz="1800" b="0" i="0" u="none" strike="noStrike" cap="none" normalizeH="0" baseline="0" dirty="0">
+            <a:endParaRPr kumimoji="0" lang="hu-HU" altLang="en-US" sz="2000" b="0" i="0" u="none" strike="noStrike" cap="none" normalizeH="0" baseline="0" dirty="0">
               <a:ln>
                 <a:noFill/>
               </a:ln>
@@ -24075,7 +24279,7 @@
               <a:buNone/>
               <a:tabLst/>
             </a:pPr>
-            <a:endParaRPr kumimoji="0" lang="en-US" altLang="en-US" sz="1800" b="0" i="0" u="none" strike="noStrike" cap="none" normalizeH="0" baseline="0" dirty="0">
+            <a:endParaRPr kumimoji="0" lang="en-US" altLang="en-US" sz="2000" b="0" i="0" u="none" strike="noStrike" cap="none" normalizeH="0" baseline="0" dirty="0">
               <a:ln>
                 <a:noFill/>
               </a:ln>
@@ -24104,7 +24308,7 @@
               <a:tabLst/>
             </a:pPr>
             <a:r>
-              <a:rPr kumimoji="0" lang="hu-HU" altLang="en-US" sz="1800" b="0" i="0" u="none" strike="noStrike" cap="none" normalizeH="0" baseline="0" dirty="0">
+              <a:rPr kumimoji="0" lang="hu-HU" altLang="en-US" sz="2000" b="0" i="0" u="none" strike="noStrike" cap="none" normalizeH="0" baseline="0" dirty="0">
                 <a:ln>
                   <a:noFill/>
                 </a:ln>
@@ -24117,7 +24321,7 @@
               <a:t> </a:t>
             </a:r>
             <a:r>
-              <a:rPr kumimoji="0" lang="en-US" altLang="en-US" sz="1800" b="0" i="0" u="none" strike="noStrike" cap="none" normalizeH="0" baseline="0" dirty="0" err="1">
+              <a:rPr kumimoji="0" lang="en-US" altLang="en-US" sz="2000" b="0" i="0" u="none" strike="noStrike" cap="none" normalizeH="0" baseline="0" dirty="0" err="1">
                 <a:ln>
                   <a:noFill/>
                 </a:ln>
@@ -24130,7 +24334,7 @@
               <a:t>Digitális</a:t>
             </a:r>
             <a:r>
-              <a:rPr kumimoji="0" lang="en-US" altLang="en-US" sz="1800" b="0" i="0" u="none" strike="noStrike" cap="none" normalizeH="0" baseline="0" dirty="0">
+              <a:rPr kumimoji="0" lang="en-US" altLang="en-US" sz="2000" b="0" i="0" u="none" strike="noStrike" cap="none" normalizeH="0" baseline="0" dirty="0">
                 <a:ln>
                   <a:noFill/>
                 </a:ln>
@@ -24143,7 +24347,7 @@
               <a:t> </a:t>
             </a:r>
             <a:r>
-              <a:rPr kumimoji="0" lang="en-US" altLang="en-US" sz="1800" b="0" i="0" u="none" strike="noStrike" cap="none" normalizeH="0" baseline="0" dirty="0" err="1">
+              <a:rPr kumimoji="0" lang="en-US" altLang="en-US" sz="2000" b="0" i="0" u="none" strike="noStrike" cap="none" normalizeH="0" baseline="0" dirty="0" err="1">
                 <a:ln>
                   <a:noFill/>
                 </a:ln>
@@ -24155,7 +24359,7 @@
               </a:rPr>
               <a:t>tanúsítványok</a:t>
             </a:r>
-            <a:endParaRPr kumimoji="0" lang="hu-HU" altLang="en-US" sz="1800" b="0" i="0" u="none" strike="noStrike" cap="none" normalizeH="0" baseline="0" dirty="0">
+            <a:endParaRPr kumimoji="0" lang="hu-HU" altLang="en-US" sz="2000" b="0" i="0" u="none" strike="noStrike" cap="none" normalizeH="0" baseline="0" dirty="0">
               <a:ln>
                 <a:noFill/>
               </a:ln>
@@ -24182,7 +24386,7 @@
               <a:buNone/>
               <a:tabLst/>
             </a:pPr>
-            <a:endParaRPr kumimoji="0" lang="en-US" altLang="en-US" sz="1800" b="0" i="0" u="none" strike="noStrike" cap="none" normalizeH="0" baseline="0" dirty="0">
+            <a:endParaRPr kumimoji="0" lang="en-US" altLang="en-US" sz="2000" b="0" i="0" u="none" strike="noStrike" cap="none" normalizeH="0" baseline="0" dirty="0">
               <a:ln>
                 <a:noFill/>
               </a:ln>
@@ -24211,7 +24415,7 @@
               <a:tabLst/>
             </a:pPr>
             <a:r>
-              <a:rPr kumimoji="0" lang="hu-HU" altLang="en-US" sz="1800" b="0" i="0" u="none" strike="noStrike" cap="none" normalizeH="0" baseline="0" dirty="0">
+              <a:rPr kumimoji="0" lang="hu-HU" altLang="en-US" sz="2000" b="0" i="0" u="none" strike="noStrike" cap="none" normalizeH="0" baseline="0" dirty="0">
                 <a:ln>
                   <a:noFill/>
                 </a:ln>
@@ -24224,7 +24428,7 @@
               <a:t> </a:t>
             </a:r>
             <a:r>
-              <a:rPr kumimoji="0" lang="en-US" altLang="en-US" sz="1800" b="0" i="0" u="none" strike="noStrike" cap="none" normalizeH="0" baseline="0" dirty="0">
+              <a:rPr kumimoji="0" lang="en-US" altLang="en-US" sz="2000" b="0" i="0" u="none" strike="noStrike" cap="none" normalizeH="0" baseline="0" dirty="0">
                 <a:ln>
                   <a:noFill/>
                 </a:ln>
@@ -24236,7 +24440,7 @@
               </a:rPr>
               <a:t>TLS handshake</a:t>
             </a:r>
-            <a:endParaRPr kumimoji="0" lang="hu-HU" altLang="en-US" sz="1800" b="0" i="0" u="none" strike="noStrike" cap="none" normalizeH="0" baseline="0" dirty="0">
+            <a:endParaRPr kumimoji="0" lang="hu-HU" altLang="en-US" sz="2000" b="0" i="0" u="none" strike="noStrike" cap="none" normalizeH="0" baseline="0" dirty="0">
               <a:ln>
                 <a:noFill/>
               </a:ln>
@@ -24263,7 +24467,7 @@
               <a:buNone/>
               <a:tabLst/>
             </a:pPr>
-            <a:endParaRPr kumimoji="0" lang="en-US" altLang="en-US" sz="1800" b="0" i="0" u="none" strike="noStrike" cap="none" normalizeH="0" baseline="0" dirty="0">
+            <a:endParaRPr kumimoji="0" lang="en-US" altLang="en-US" sz="2000" b="0" i="0" u="none" strike="noStrike" cap="none" normalizeH="0" baseline="0" dirty="0">
               <a:ln>
                 <a:noFill/>
               </a:ln>
@@ -24292,7 +24496,7 @@
               <a:tabLst/>
             </a:pPr>
             <a:r>
-              <a:rPr kumimoji="0" lang="hu-HU" altLang="en-US" sz="1800" b="0" i="0" u="none" strike="noStrike" cap="none" normalizeH="0" baseline="0" dirty="0">
+              <a:rPr kumimoji="0" lang="hu-HU" altLang="en-US" sz="2000" b="0" i="0" u="none" strike="noStrike" cap="none" normalizeH="0" baseline="0" dirty="0">
                 <a:ln>
                   <a:noFill/>
                 </a:ln>
@@ -24305,7 +24509,7 @@
               <a:t> </a:t>
             </a:r>
             <a:r>
-              <a:rPr kumimoji="0" lang="en-US" altLang="en-US" sz="1800" b="0" i="0" u="none" strike="noStrike" cap="none" normalizeH="0" baseline="0" dirty="0" err="1">
+              <a:rPr kumimoji="0" lang="en-US" altLang="en-US" sz="2000" b="0" i="0" u="none" strike="noStrike" cap="none" normalizeH="0" baseline="0" dirty="0" err="1">
                 <a:ln>
                   <a:noFill/>
                 </a:ln>
@@ -24318,7 +24522,7 @@
               <a:t>Miért</a:t>
             </a:r>
             <a:r>
-              <a:rPr kumimoji="0" lang="en-US" altLang="en-US" sz="1800" b="0" i="0" u="none" strike="noStrike" cap="none" normalizeH="0" baseline="0" dirty="0">
+              <a:rPr kumimoji="0" lang="en-US" altLang="en-US" sz="2000" b="0" i="0" u="none" strike="noStrike" cap="none" normalizeH="0" baseline="0" dirty="0">
                 <a:ln>
                   <a:noFill/>
                 </a:ln>
@@ -24331,7 +24535,7 @@
               <a:t> </a:t>
             </a:r>
             <a:r>
-              <a:rPr kumimoji="0" lang="en-US" altLang="en-US" sz="1800" b="0" i="0" u="none" strike="noStrike" cap="none" normalizeH="0" baseline="0" dirty="0" err="1">
+              <a:rPr kumimoji="0" lang="en-US" altLang="en-US" sz="2000" b="0" i="0" u="none" strike="noStrike" cap="none" normalizeH="0" baseline="0" dirty="0" err="1">
                 <a:ln>
                   <a:noFill/>
                 </a:ln>
@@ -24344,7 +24548,7 @@
               <a:t>fontos</a:t>
             </a:r>
             <a:r>
-              <a:rPr kumimoji="0" lang="en-US" altLang="en-US" sz="1800" b="0" i="0" u="none" strike="noStrike" cap="none" normalizeH="0" baseline="0" dirty="0">
+              <a:rPr kumimoji="0" lang="en-US" altLang="en-US" sz="2000" b="0" i="0" u="none" strike="noStrike" cap="none" normalizeH="0" baseline="0" dirty="0">
                 <a:ln>
                   <a:noFill/>
                 </a:ln>
@@ -24356,7 +24560,7 @@
               </a:rPr>
               <a:t>?</a:t>
             </a:r>
-            <a:endParaRPr kumimoji="0" lang="hu-HU" altLang="en-US" sz="1800" b="0" i="0" u="none" strike="noStrike" cap="none" normalizeH="0" baseline="0" dirty="0">
+            <a:endParaRPr kumimoji="0" lang="hu-HU" altLang="en-US" sz="2000" b="0" i="0" u="none" strike="noStrike" cap="none" normalizeH="0" baseline="0" dirty="0">
               <a:ln>
                 <a:noFill/>
               </a:ln>
@@ -24384,7 +24588,7 @@
               <a:buChar char="•"/>
               <a:tabLst/>
             </a:pPr>
-            <a:endParaRPr lang="hu-HU" altLang="en-US" dirty="0">
+            <a:endParaRPr lang="hu-HU" altLang="en-US" sz="2000" dirty="0">
               <a:latin typeface="Arial" panose="020B0604020202020204" pitchFamily="34" charset="0"/>
             </a:endParaRPr>
           </a:p>
@@ -24404,7 +24608,7 @@
               <a:buNone/>
               <a:tabLst/>
             </a:pPr>
-            <a:endParaRPr kumimoji="0" lang="hu-HU" altLang="en-US" sz="1800" b="0" i="0" u="none" strike="noStrike" cap="none" normalizeH="0" baseline="0" dirty="0">
+            <a:endParaRPr kumimoji="0" lang="hu-HU" altLang="en-US" sz="2000" b="0" i="0" u="none" strike="noStrike" cap="none" normalizeH="0" baseline="0" dirty="0">
               <a:ln>
                 <a:noFill/>
               </a:ln>
@@ -24429,12 +24633,12 @@
               <a:buNone/>
             </a:pPr>
             <a:r>
-              <a:rPr lang="hu-HU" altLang="en-US" dirty="0">
+              <a:rPr lang="hu-HU" altLang="en-US" sz="2000" dirty="0">
                 <a:latin typeface="Arial" panose="020B0604020202020204" pitchFamily="34" charset="0"/>
               </a:rPr>
               <a:t>Megjegyzés: A következő órákban erről részletesebben beszélünk majd!</a:t>
             </a:r>
-            <a:endParaRPr lang="en-US" altLang="en-US" dirty="0">
+            <a:endParaRPr lang="en-US" altLang="en-US" sz="2000" dirty="0">
               <a:latin typeface="Arial" panose="020B0604020202020204" pitchFamily="34" charset="0"/>
             </a:endParaRPr>
           </a:p>
@@ -24454,7 +24658,7 @@
               <a:buNone/>
               <a:tabLst/>
             </a:pPr>
-            <a:endParaRPr kumimoji="0" lang="en-US" altLang="en-US" sz="1800" b="0" i="0" u="none" strike="noStrike" cap="none" normalizeH="0" baseline="0" dirty="0">
+            <a:endParaRPr kumimoji="0" lang="en-US" altLang="en-US" sz="2000" b="0" i="0" u="none" strike="noStrike" cap="none" normalizeH="0" baseline="0" dirty="0">
               <a:ln>
                 <a:noFill/>
               </a:ln>
@@ -26527,10 +26731,17 @@
           <a:lstStyle/>
           <a:p>
             <a:r>
-              <a:rPr lang="en-US"/>
-              <a:t>Mi az Internet?</a:t>
-            </a:r>
-            <a:endParaRPr lang="en-US" dirty="0"/>
+              <a:rPr lang="en-US" dirty="0"/>
+              <a:t>Mi </a:t>
+            </a:r>
+            <a:r>
+              <a:rPr lang="en-US" dirty="0" err="1"/>
+              <a:t>az</a:t>
+            </a:r>
+            <a:r>
+              <a:rPr lang="en-US" dirty="0"/>
+              <a:t> Internet?</a:t>
+            </a:r>
           </a:p>
         </p:txBody>
       </p:sp>
@@ -26610,7 +26821,7 @@
               <a:tabLst/>
             </a:pPr>
             <a:r>
-              <a:rPr kumimoji="0" lang="hu-HU" altLang="en-US" b="0" i="0" u="none" strike="noStrike" cap="none" normalizeH="0" baseline="0">
+              <a:rPr kumimoji="0" lang="hu-HU" altLang="en-US" b="0" i="0" u="none" strike="noStrike" cap="none" normalizeH="0" baseline="0" dirty="0">
                 <a:ln>
                   <a:noFill/>
                 </a:ln>
@@ -26620,7 +26831,7 @@
               <a:t> </a:t>
             </a:r>
             <a:r>
-              <a:rPr kumimoji="0" lang="en-US" altLang="en-US" b="0" i="0" u="none" strike="noStrike" cap="none" normalizeH="0" baseline="0" err="1">
+              <a:rPr kumimoji="0" lang="en-US" altLang="en-US" b="0" i="0" u="none" strike="noStrike" cap="none" normalizeH="0" baseline="0" dirty="0" err="1">
                 <a:ln>
                   <a:noFill/>
                 </a:ln>
@@ -26630,7 +26841,7 @@
               <a:t>Hálózatok</a:t>
             </a:r>
             <a:r>
-              <a:rPr kumimoji="0" lang="en-US" altLang="en-US" b="0" i="0" u="none" strike="noStrike" cap="none" normalizeH="0" baseline="0">
+              <a:rPr kumimoji="0" lang="en-US" altLang="en-US" b="0" i="0" u="none" strike="noStrike" cap="none" normalizeH="0" baseline="0" dirty="0">
                 <a:ln>
                   <a:noFill/>
                 </a:ln>
@@ -26640,7 +26851,7 @@
               <a:t> </a:t>
             </a:r>
             <a:r>
-              <a:rPr kumimoji="0" lang="en-US" altLang="en-US" b="0" i="0" u="none" strike="noStrike" cap="none" normalizeH="0" baseline="0" err="1">
+              <a:rPr kumimoji="0" lang="en-US" altLang="en-US" b="0" i="0" u="none" strike="noStrike" cap="none" normalizeH="0" baseline="0" dirty="0" err="1">
                 <a:ln>
                   <a:noFill/>
                 </a:ln>
@@ -26650,14 +26861,34 @@
               <a:t>hálózata</a:t>
             </a:r>
             <a:r>
-              <a:rPr kumimoji="0" lang="hu-HU" altLang="en-US" b="0" i="0" u="none" strike="noStrike" cap="none" normalizeH="0" baseline="0">
+              <a:rPr kumimoji="0" lang="hu-HU" altLang="en-US" b="0" i="0" u="none" strike="noStrike" cap="none" normalizeH="0" baseline="0" dirty="0">
                 <a:ln>
                   <a:noFill/>
                 </a:ln>
                 <a:effectLst/>
                 <a:latin typeface="Arial" panose="020B0604020202020204" pitchFamily="34" charset="0"/>
               </a:rPr>
-              <a:t>, globális infrastruktúra</a:t>
+              <a:t>, </a:t>
+            </a:r>
+            <a:r>
+              <a:rPr kumimoji="0" lang="hu-HU" altLang="en-US" b="1" i="0" u="none" strike="noStrike" cap="none" normalizeH="0" baseline="0" dirty="0">
+                <a:ln>
+                  <a:noFill/>
+                </a:ln>
+                <a:effectLst/>
+                <a:latin typeface="Arial" panose="020B0604020202020204" pitchFamily="34" charset="0"/>
+              </a:rPr>
+              <a:t>globális</a:t>
+            </a:r>
+            <a:r>
+              <a:rPr kumimoji="0" lang="hu-HU" altLang="en-US" b="0" i="0" u="none" strike="noStrike" cap="none" normalizeH="0" baseline="0" dirty="0">
+                <a:ln>
+                  <a:noFill/>
+                </a:ln>
+                <a:effectLst/>
+                <a:latin typeface="Arial" panose="020B0604020202020204" pitchFamily="34" charset="0"/>
+              </a:rPr>
+              <a:t> infrastruktúra</a:t>
             </a:r>
           </a:p>
           <a:p>
@@ -26673,7 +26904,7 @@
               <a:buNone/>
               <a:tabLst/>
             </a:pPr>
-            <a:endParaRPr kumimoji="0" lang="en-US" altLang="en-US" b="0" i="0" u="none" strike="noStrike" cap="none" normalizeH="0" baseline="0">
+            <a:endParaRPr kumimoji="0" lang="en-US" altLang="en-US" b="0" i="0" u="none" strike="noStrike" cap="none" normalizeH="0" baseline="0" dirty="0">
               <a:ln>
                 <a:noFill/>
               </a:ln>
@@ -26696,7 +26927,7 @@
               <a:tabLst/>
             </a:pPr>
             <a:r>
-              <a:rPr kumimoji="0" lang="hu-HU" altLang="en-US" b="0" i="0" u="none" strike="noStrike" cap="none" normalizeH="0" baseline="0">
+              <a:rPr kumimoji="0" lang="hu-HU" altLang="en-US" b="0" i="0" u="none" strike="noStrike" cap="none" normalizeH="0" baseline="0" dirty="0">
                 <a:ln>
                   <a:noFill/>
                 </a:ln>
@@ -26706,7 +26937,7 @@
               <a:t> </a:t>
             </a:r>
             <a:r>
-              <a:rPr kumimoji="0" lang="en-US" altLang="en-US" b="0" i="0" u="none" strike="noStrike" cap="none" normalizeH="0" baseline="0" err="1">
+              <a:rPr kumimoji="0" lang="en-US" altLang="en-US" b="1" i="0" u="none" strike="noStrike" cap="none" normalizeH="0" baseline="0" dirty="0" err="1">
                 <a:ln>
                   <a:noFill/>
                 </a:ln>
@@ -26716,7 +26947,7 @@
               <a:t>Elosztott</a:t>
             </a:r>
             <a:r>
-              <a:rPr kumimoji="0" lang="en-US" altLang="en-US" b="0" i="0" u="none" strike="noStrike" cap="none" normalizeH="0" baseline="0">
+              <a:rPr kumimoji="0" lang="en-US" altLang="en-US" b="0" i="0" u="none" strike="noStrike" cap="none" normalizeH="0" baseline="0" dirty="0">
                 <a:ln>
                   <a:noFill/>
                 </a:ln>
@@ -26726,7 +26957,7 @@
               <a:t>, </a:t>
             </a:r>
             <a:r>
-              <a:rPr kumimoji="0" lang="en-US" altLang="en-US" b="0" i="0" u="none" strike="noStrike" cap="none" normalizeH="0" baseline="0" err="1">
+              <a:rPr kumimoji="0" lang="en-US" altLang="en-US" b="1" i="0" u="none" strike="noStrike" cap="none" normalizeH="0" baseline="0" dirty="0" err="1">
                 <a:ln>
                   <a:noFill/>
                 </a:ln>
@@ -26736,7 +26967,7 @@
               <a:t>decentralizált</a:t>
             </a:r>
             <a:r>
-              <a:rPr kumimoji="0" lang="hu-HU" altLang="en-US" b="0" i="0" u="none" strike="noStrike" cap="none" normalizeH="0" baseline="0">
+              <a:rPr kumimoji="0" lang="hu-HU" altLang="en-US" b="0" i="0" u="none" strike="noStrike" cap="none" normalizeH="0" baseline="0" dirty="0">
                 <a:ln>
                   <a:noFill/>
                 </a:ln>
@@ -26759,7 +26990,7 @@
               <a:buNone/>
               <a:tabLst/>
             </a:pPr>
-            <a:endParaRPr kumimoji="0" lang="en-US" altLang="en-US" b="0" i="0" u="none" strike="noStrike" cap="none" normalizeH="0" baseline="0">
+            <a:endParaRPr kumimoji="0" lang="en-US" altLang="en-US" b="0" i="0" u="none" strike="noStrike" cap="none" normalizeH="0" baseline="0" dirty="0">
               <a:ln>
                 <a:noFill/>
               </a:ln>
@@ -26782,7 +27013,7 @@
               <a:tabLst/>
             </a:pPr>
             <a:r>
-              <a:rPr kumimoji="0" lang="hu-HU" altLang="en-US" b="0" i="0" u="none" strike="noStrike" cap="none" normalizeH="0" baseline="0">
+              <a:rPr kumimoji="0" lang="hu-HU" altLang="en-US" b="0" i="0" u="none" strike="noStrike" cap="none" normalizeH="0" baseline="0" dirty="0">
                 <a:ln>
                   <a:noFill/>
                 </a:ln>
@@ -26792,46 +27023,56 @@
               <a:t> </a:t>
             </a:r>
             <a:r>
-              <a:rPr kumimoji="0" lang="en-US" altLang="en-US" b="0" i="0" u="none" strike="noStrike" cap="none" normalizeH="0" baseline="0">
+              <a:rPr kumimoji="0" lang="en-US" altLang="en-US" b="1" i="0" u="none" strike="noStrike" cap="none" normalizeH="0" baseline="0" dirty="0">
                 <a:ln>
                   <a:noFill/>
                 </a:ln>
                 <a:effectLst/>
                 <a:latin typeface="Arial" panose="020B0604020202020204" pitchFamily="34" charset="0"/>
               </a:rPr>
-              <a:t>IP </a:t>
-            </a:r>
-            <a:r>
-              <a:rPr kumimoji="0" lang="en-US" altLang="en-US" b="0" i="0" u="none" strike="noStrike" cap="none" normalizeH="0" baseline="0" err="1">
+              <a:t>IP</a:t>
+            </a:r>
+            <a:r>
+              <a:rPr kumimoji="0" lang="en-US" altLang="en-US" b="0" i="0" u="none" strike="noStrike" cap="none" normalizeH="0" baseline="0" dirty="0">
                 <a:ln>
                   <a:noFill/>
                 </a:ln>
                 <a:effectLst/>
                 <a:latin typeface="Arial" panose="020B0604020202020204" pitchFamily="34" charset="0"/>
               </a:rPr>
-              <a:t>címzés</a:t>
-            </a:r>
-            <a:r>
-              <a:rPr kumimoji="0" lang="en-US" altLang="en-US" b="0" i="0" u="none" strike="noStrike" cap="none" normalizeH="0" baseline="0">
+              <a:t> </a:t>
+            </a:r>
+            <a:r>
+              <a:rPr kumimoji="0" lang="en-US" altLang="en-US" b="0" i="0" u="none" strike="noStrike" cap="none" normalizeH="0" baseline="0" dirty="0" err="1">
                 <a:ln>
                   <a:noFill/>
                 </a:ln>
                 <a:effectLst/>
                 <a:latin typeface="Arial" panose="020B0604020202020204" pitchFamily="34" charset="0"/>
               </a:rPr>
-              <a:t> </a:t>
-            </a:r>
-            <a:r>
-              <a:rPr kumimoji="0" lang="en-US" altLang="en-US" b="0" i="0" u="none" strike="noStrike" cap="none" normalizeH="0" baseline="0" err="1">
+              <a:t>címzés</a:t>
+            </a:r>
+            <a:r>
+              <a:rPr kumimoji="0" lang="en-US" altLang="en-US" b="0" i="0" u="none" strike="noStrike" cap="none" normalizeH="0" baseline="0" dirty="0">
                 <a:ln>
                   <a:noFill/>
                 </a:ln>
                 <a:effectLst/>
                 <a:latin typeface="Arial" panose="020B0604020202020204" pitchFamily="34" charset="0"/>
               </a:rPr>
+              <a:t> </a:t>
+            </a:r>
+            <a:r>
+              <a:rPr kumimoji="0" lang="en-US" altLang="en-US" b="0" i="0" u="none" strike="noStrike" cap="none" normalizeH="0" baseline="0" dirty="0" err="1">
+                <a:ln>
+                  <a:noFill/>
+                </a:ln>
+                <a:effectLst/>
+                <a:latin typeface="Arial" panose="020B0604020202020204" pitchFamily="34" charset="0"/>
+              </a:rPr>
               <a:t>alapja</a:t>
             </a:r>
-            <a:endParaRPr kumimoji="0" lang="hu-HU" altLang="en-US" b="0" i="0" u="none" strike="noStrike" cap="none" normalizeH="0" baseline="0">
+            <a:endParaRPr kumimoji="0" lang="hu-HU" altLang="en-US" b="0" i="0" u="none" strike="noStrike" cap="none" normalizeH="0" baseline="0" dirty="0">
               <a:ln>
                 <a:noFill/>
               </a:ln>
@@ -26852,7 +27093,7 @@
               <a:buNone/>
               <a:tabLst/>
             </a:pPr>
-            <a:endParaRPr kumimoji="0" lang="en-US" altLang="en-US" b="0" i="0" u="none" strike="noStrike" cap="none" normalizeH="0" baseline="0">
+            <a:endParaRPr kumimoji="0" lang="en-US" altLang="en-US" b="0" i="0" u="none" strike="noStrike" cap="none" normalizeH="0" baseline="0" dirty="0">
               <a:ln>
                 <a:noFill/>
               </a:ln>
@@ -26875,7 +27116,7 @@
               <a:tabLst/>
             </a:pPr>
             <a:r>
-              <a:rPr kumimoji="0" lang="hu-HU" altLang="en-US" b="0" i="0" u="none" strike="noStrike" cap="none" normalizeH="0" baseline="0">
+              <a:rPr kumimoji="0" lang="hu-HU" altLang="en-US" b="0" i="0" u="none" strike="noStrike" cap="none" normalizeH="0" baseline="0" dirty="0">
                 <a:ln>
                   <a:noFill/>
                 </a:ln>
@@ -26885,7 +27126,7 @@
               <a:t> </a:t>
             </a:r>
             <a:r>
-              <a:rPr kumimoji="0" lang="en-US" altLang="en-US" b="0" i="0" u="none" strike="noStrike" cap="none" normalizeH="0" baseline="0" err="1">
+              <a:rPr kumimoji="0" lang="en-US" altLang="en-US" b="1" i="0" u="none" strike="noStrike" cap="none" normalizeH="0" baseline="0" dirty="0" err="1">
                 <a:ln>
                   <a:noFill/>
                 </a:ln>
@@ -26895,7 +27136,7 @@
               <a:t>Nyílt</a:t>
             </a:r>
             <a:r>
-              <a:rPr kumimoji="0" lang="en-US" altLang="en-US" b="0" i="0" u="none" strike="noStrike" cap="none" normalizeH="0" baseline="0">
+              <a:rPr kumimoji="0" lang="en-US" altLang="en-US" b="1" i="0" u="none" strike="noStrike" cap="none" normalizeH="0" baseline="0" dirty="0">
                 <a:ln>
                   <a:noFill/>
                 </a:ln>
@@ -26905,7 +27146,7 @@
               <a:t> </a:t>
             </a:r>
             <a:r>
-              <a:rPr kumimoji="0" lang="en-US" altLang="en-US" b="0" i="0" u="none" strike="noStrike" cap="none" normalizeH="0" baseline="0" err="1">
+              <a:rPr kumimoji="0" lang="en-US" altLang="en-US" b="1" i="0" u="none" strike="noStrike" cap="none" normalizeH="0" baseline="0" dirty="0" err="1">
                 <a:ln>
                   <a:noFill/>
                 </a:ln>
@@ -26915,47 +27156,57 @@
               <a:t>protokollok</a:t>
             </a:r>
             <a:r>
-              <a:rPr kumimoji="0" lang="en-US" altLang="en-US" b="0" i="0" u="none" strike="noStrike" cap="none" normalizeH="0" baseline="0">
+              <a:rPr kumimoji="0" lang="en-US" altLang="en-US" b="1" i="0" u="none" strike="noStrike" cap="none" normalizeH="0" baseline="0" dirty="0">
                 <a:ln>
                   <a:noFill/>
                 </a:ln>
                 <a:effectLst/>
                 <a:latin typeface="Arial" panose="020B0604020202020204" pitchFamily="34" charset="0"/>
               </a:rPr>
-              <a:t> (TCP/IP, HTTP, DN</a:t>
-            </a:r>
-            <a:r>
-              <a:rPr kumimoji="0" lang="hu-HU" altLang="en-US" b="0" i="0" u="none" strike="noStrike" cap="none" normalizeH="0" baseline="0">
+              <a:t> </a:t>
+            </a:r>
+            <a:r>
+              <a:rPr kumimoji="0" lang="en-US" altLang="en-US" b="0" i="0" u="none" strike="noStrike" cap="none" normalizeH="0" baseline="0" dirty="0">
                 <a:ln>
                   <a:noFill/>
                 </a:ln>
                 <a:effectLst/>
                 <a:latin typeface="Arial" panose="020B0604020202020204" pitchFamily="34" charset="0"/>
               </a:rPr>
-              <a:t>S, </a:t>
-            </a:r>
-            <a:r>
-              <a:rPr kumimoji="0" lang="hu-HU" altLang="en-US" b="0" i="0" u="none" strike="noStrike" cap="none" normalizeH="0" baseline="0" err="1">
+              <a:t>(TCP/IP, HTTP, DN</a:t>
+            </a:r>
+            <a:r>
+              <a:rPr kumimoji="0" lang="hu-HU" altLang="en-US" b="0" i="0" u="none" strike="noStrike" cap="none" normalizeH="0" baseline="0" dirty="0">
                 <a:ln>
                   <a:noFill/>
                 </a:ln>
                 <a:effectLst/>
                 <a:latin typeface="Arial" panose="020B0604020202020204" pitchFamily="34" charset="0"/>
               </a:rPr>
-              <a:t>stb</a:t>
-            </a:r>
-            <a:r>
-              <a:rPr kumimoji="0" lang="en-US" altLang="en-US" b="0" i="0" u="none" strike="noStrike" cap="none" normalizeH="0" baseline="0">
+              <a:t>S, </a:t>
+            </a:r>
+            <a:r>
+              <a:rPr kumimoji="0" lang="hu-HU" altLang="en-US" b="0" i="0" u="none" strike="noStrike" cap="none" normalizeH="0" baseline="0" dirty="0" err="1">
                 <a:ln>
                   <a:noFill/>
                 </a:ln>
                 <a:effectLst/>
                 <a:latin typeface="Arial" panose="020B0604020202020204" pitchFamily="34" charset="0"/>
               </a:rPr>
+              <a:t>stb</a:t>
+            </a:r>
+            <a:r>
+              <a:rPr kumimoji="0" lang="en-US" altLang="en-US" b="0" i="0" u="none" strike="noStrike" cap="none" normalizeH="0" baseline="0" dirty="0">
+                <a:ln>
+                  <a:noFill/>
+                </a:ln>
+                <a:effectLst/>
+                <a:latin typeface="Arial" panose="020B0604020202020204" pitchFamily="34" charset="0"/>
+              </a:rPr>
               <a:t>)</a:t>
             </a:r>
             <a:r>
-              <a:rPr kumimoji="0" lang="hu-HU" altLang="en-US" b="0" i="0" u="none" strike="noStrike" cap="none" normalizeH="0" baseline="0">
+              <a:rPr kumimoji="0" lang="hu-HU" altLang="en-US" b="0" i="0" u="none" strike="noStrike" cap="none" normalizeH="0" baseline="0" dirty="0">
                 <a:ln>
                   <a:noFill/>
                 </a:ln>
@@ -26978,7 +27229,7 @@
               <a:buNone/>
               <a:tabLst/>
             </a:pPr>
-            <a:endParaRPr kumimoji="0" lang="hu-HU" altLang="en-US" b="0" i="0" u="none" strike="noStrike" cap="none" normalizeH="0" baseline="0">
+            <a:endParaRPr kumimoji="0" lang="hu-HU" altLang="en-US" b="0" i="0" u="none" strike="noStrike" cap="none" normalizeH="0" baseline="0" dirty="0">
               <a:ln>
                 <a:noFill/>
               </a:ln>
@@ -27001,7 +27252,7 @@
               <a:tabLst/>
             </a:pPr>
             <a:r>
-              <a:rPr kumimoji="0" lang="hu-HU" altLang="en-US" b="0" i="0" u="none" strike="noStrike" cap="none" normalizeH="0" baseline="0">
+              <a:rPr kumimoji="0" lang="hu-HU" altLang="en-US" b="0" i="0" u="none" strike="noStrike" cap="none" normalizeH="0" baseline="0" dirty="0">
                 <a:ln>
                   <a:noFill/>
                 </a:ln>
@@ -27011,13 +27262,13 @@
               <a:t> Ezekre épülnek azok az átviteli </a:t>
             </a:r>
             <a:r>
-              <a:rPr lang="hu-HU" altLang="en-US">
+              <a:rPr lang="hu-HU" altLang="en-US" dirty="0">
                 <a:latin typeface="Arial" panose="020B0604020202020204" pitchFamily="34" charset="0"/>
               </a:rPr>
               <a:t>protokollok</a:t>
             </a:r>
             <a:r>
-              <a:rPr kumimoji="0" lang="hu-HU" altLang="en-US" b="0" i="0" u="none" strike="noStrike" cap="none" normalizeH="0" baseline="0">
+              <a:rPr kumimoji="0" lang="hu-HU" altLang="en-US" b="0" i="0" u="none" strike="noStrike" cap="none" normalizeH="0" baseline="0" dirty="0">
                 <a:ln>
                   <a:noFill/>
                 </a:ln>
@@ -27027,7 +27278,7 @@
               <a:t>, amelyekkel a </a:t>
             </a:r>
             <a:r>
-              <a:rPr kumimoji="0" lang="hu-HU" altLang="en-US" b="0" i="0" u="none" strike="noStrike" cap="none" normalizeH="0" baseline="0" err="1">
+              <a:rPr kumimoji="0" lang="hu-HU" altLang="en-US" b="0" i="0" u="none" strike="noStrike" cap="none" normalizeH="0" baseline="0" dirty="0" err="1">
                 <a:ln>
                   <a:noFill/>
                 </a:ln>
@@ -27037,7 +27288,7 @@
               <a:t>a</a:t>
             </a:r>
             <a:r>
-              <a:rPr kumimoji="0" lang="hu-HU" altLang="en-US" b="0" i="0" u="none" strike="noStrike" cap="none" normalizeH="0" baseline="0">
+              <a:rPr kumimoji="0" lang="hu-HU" altLang="en-US" b="0" i="0" u="none" strike="noStrike" cap="none" normalizeH="0" baseline="0" dirty="0">
                 <a:ln>
                   <a:noFill/>
                 </a:ln>
@@ -27046,7 +27297,7 @@
               </a:rPr>
               <a:t> félév során megismerkedünk.</a:t>
             </a:r>
-            <a:endParaRPr kumimoji="0" lang="en-US" altLang="en-US" b="0" i="0" u="none" strike="noStrike" cap="none" normalizeH="0" baseline="0">
+            <a:endParaRPr kumimoji="0" lang="en-US" altLang="en-US" b="0" i="0" u="none" strike="noStrike" cap="none" normalizeH="0" baseline="0" dirty="0">
               <a:ln>
                 <a:noFill/>
               </a:ln>
@@ -27138,60 +27389,62 @@
         </p:nvSpPr>
         <p:spPr>
           <a:xfrm>
-            <a:off x="521208" y="2240280"/>
-            <a:ext cx="11155680" cy="3767328"/>
+            <a:off x="521208" y="2129185"/>
+            <a:ext cx="10537050" cy="3459765"/>
           </a:xfrm>
         </p:spPr>
         <p:txBody>
-          <a:bodyPr/>
+          <a:bodyPr>
+            <a:noAutofit/>
+          </a:bodyPr>
           <a:lstStyle/>
           <a:p>
             <a:r>
-              <a:rPr lang="hu-HU" dirty="0"/>
+              <a:rPr lang="hu-HU" sz="2000" dirty="0"/>
               <a:t>A legtöbb Internetes alkalmazás kliens-szerver modellben működik</a:t>
             </a:r>
           </a:p>
           <a:p>
             <a:r>
-              <a:rPr lang="hu-HU" dirty="0"/>
+              <a:rPr lang="hu-HU" sz="2000" dirty="0"/>
               <a:t>Kliens alkalmazás kéréseket küld</a:t>
             </a:r>
           </a:p>
           <a:p>
             <a:r>
-              <a:rPr lang="hu-HU" dirty="0"/>
+              <a:rPr lang="hu-HU" sz="2000" dirty="0"/>
               <a:t>Szerver alkalmazás válaszol</a:t>
             </a:r>
           </a:p>
           <a:p>
             <a:r>
-              <a:rPr lang="hu-HU" dirty="0"/>
+              <a:rPr lang="hu-HU" sz="2000" dirty="0"/>
               <a:t>Állapotmentes kommunikáció</a:t>
             </a:r>
           </a:p>
           <a:p>
             <a:r>
-              <a:rPr lang="hu-HU" dirty="0"/>
+              <a:rPr lang="hu-HU" sz="2000" dirty="0"/>
               <a:t>Állapottároló kommunikáció (munkamenet tárolás a szerveren)</a:t>
             </a:r>
           </a:p>
           <a:p>
             <a:r>
-              <a:rPr lang="hu-HU" dirty="0"/>
+              <a:rPr lang="hu-HU" sz="2000" dirty="0"/>
               <a:t>Szerver portokon várja a kéréseket (</a:t>
             </a:r>
             <a:r>
-              <a:rPr lang="hu-HU" dirty="0" err="1"/>
+              <a:rPr lang="hu-HU" sz="2000" dirty="0" err="1"/>
               <a:t>listening</a:t>
             </a:r>
             <a:r>
-              <a:rPr lang="hu-HU" dirty="0"/>
+              <a:rPr lang="hu-HU" sz="2000" dirty="0"/>
               <a:t>)</a:t>
             </a:r>
           </a:p>
           <a:p>
             <a:r>
-              <a:rPr lang="hu-HU" dirty="0"/>
+              <a:rPr lang="hu-HU" sz="2000" dirty="0"/>
               <a:t>Legismertebb portok: 80 port (HTTP), 443 port (HTTPS), 53 port (DNS), 25 port (SMTP)</a:t>
             </a:r>
           </a:p>
@@ -27480,8 +27733,8 @@
         </p:blipFill>
         <p:spPr>
           <a:xfrm>
-            <a:off x="524256" y="2415015"/>
-            <a:ext cx="4739548" cy="3439929"/>
+            <a:off x="524256" y="2415016"/>
+            <a:ext cx="4312664" cy="3130100"/>
           </a:xfrm>
           <a:prstGeom prst="rect">
             <a:avLst/>
@@ -27506,8 +27759,8 @@
         </p:nvSpPr>
         <p:spPr>
           <a:xfrm>
-            <a:off x="5739319" y="2304288"/>
-            <a:ext cx="5937569" cy="4050792"/>
+            <a:off x="5272669" y="2162342"/>
+            <a:ext cx="6178694" cy="3717250"/>
           </a:xfrm>
         </p:spPr>
         <p:txBody>
@@ -27522,16 +27775,80 @@
               </a:lnSpc>
             </a:pPr>
             <a:r>
+              <a:rPr lang="hu-HU" sz="2000" dirty="0"/>
+              <a:t>4 rétegből áll (szemben az OSI </a:t>
+            </a:r>
+            <a:r>
+              <a:rPr lang="hu-HU" sz="2000" dirty="0" err="1"/>
+              <a:t>model</a:t>
+            </a:r>
+            <a:r>
+              <a:rPr lang="hu-HU" sz="2000" dirty="0"/>
+              <a:t> 7 rétegével):</a:t>
+            </a:r>
+          </a:p>
+          <a:p>
+            <a:pPr lvl="1">
+              <a:lnSpc>
+                <a:spcPct val="100000"/>
+              </a:lnSpc>
+            </a:pPr>
+            <a:r>
+              <a:rPr lang="hu-HU" sz="1700" b="1" dirty="0"/>
+              <a:t>Alkalmazási</a:t>
+            </a:r>
+            <a:r>
               <a:rPr lang="hu-HU" sz="1700" dirty="0"/>
-              <a:t>4 rétegből áll (szemben az OSI </a:t>
-            </a:r>
-            <a:r>
-              <a:rPr lang="hu-HU" sz="1700" dirty="0" err="1"/>
-              <a:t>model</a:t>
+              <a:t> réteg (pl. HTTP, DNS, SMTP)</a:t>
+            </a:r>
+          </a:p>
+          <a:p>
+            <a:pPr lvl="1">
+              <a:lnSpc>
+                <a:spcPct val="100000"/>
+              </a:lnSpc>
+            </a:pPr>
+            <a:r>
+              <a:rPr lang="hu-HU" sz="1700" b="1" dirty="0"/>
+              <a:t>Szállítási</a:t>
             </a:r>
             <a:r>
               <a:rPr lang="hu-HU" sz="1700" dirty="0"/>
-              <a:t> 7 rétegével)</a:t>
+              <a:t> réteg (TCP, UDP)</a:t>
+            </a:r>
+          </a:p>
+          <a:p>
+            <a:pPr lvl="1">
+              <a:lnSpc>
+                <a:spcPct val="100000"/>
+              </a:lnSpc>
+            </a:pPr>
+            <a:r>
+              <a:rPr lang="hu-HU" sz="1700" b="1" dirty="0"/>
+              <a:t>Hálózati</a:t>
+            </a:r>
+            <a:r>
+              <a:rPr lang="hu-HU" sz="1700" dirty="0"/>
+              <a:t> réteg (IP)</a:t>
+            </a:r>
+          </a:p>
+          <a:p>
+            <a:pPr lvl="1">
+              <a:lnSpc>
+                <a:spcPct val="100000"/>
+              </a:lnSpc>
+            </a:pPr>
+            <a:r>
+              <a:rPr lang="hu-HU" sz="1700" dirty="0"/>
+              <a:t>Hálózati </a:t>
+            </a:r>
+            <a:r>
+              <a:rPr lang="hu-HU" sz="1700" b="1" dirty="0"/>
+              <a:t>hozzáférési</a:t>
+            </a:r>
+            <a:r>
+              <a:rPr lang="hu-HU" sz="1700" dirty="0"/>
+              <a:t> (fizikai) réteg (pl. Ethernet)</a:t>
             </a:r>
           </a:p>
           <a:p>
@@ -27541,9 +27858,90 @@
               </a:lnSpc>
             </a:pPr>
             <a:r>
-              <a:rPr lang="hu-HU" sz="1700" dirty="0"/>
-              <a:t>Alkalmazási réteg (pl. HTTP, DNS, SMTP)</a:t>
-            </a:r>
+              <a:rPr lang="hu-HU" sz="2000" dirty="0"/>
+              <a:t>M</a:t>
+            </a:r>
+            <a:r>
+              <a:rPr lang="en-US" sz="2000" dirty="0" err="1"/>
+              <a:t>inden</a:t>
+            </a:r>
+            <a:r>
+              <a:rPr lang="en-US" sz="2000" dirty="0"/>
+              <a:t> </a:t>
+            </a:r>
+            <a:r>
+              <a:rPr lang="en-US" sz="2000" dirty="0" err="1"/>
+              <a:t>réteg</a:t>
+            </a:r>
+            <a:r>
+              <a:rPr lang="en-US" sz="2000" dirty="0"/>
+              <a:t> </a:t>
+            </a:r>
+            <a:r>
+              <a:rPr lang="en-US" sz="2000" dirty="0" err="1"/>
+              <a:t>egy-egy</a:t>
+            </a:r>
+            <a:r>
+              <a:rPr lang="en-US" sz="2000" dirty="0"/>
+              <a:t> </a:t>
+            </a:r>
+            <a:r>
+              <a:rPr lang="en-US" sz="2000" dirty="0" err="1"/>
+              <a:t>konkrét</a:t>
+            </a:r>
+            <a:r>
+              <a:rPr lang="en-US" sz="2000" dirty="0"/>
+              <a:t> </a:t>
+            </a:r>
+            <a:r>
+              <a:rPr lang="en-US" sz="2000" dirty="0" err="1"/>
+              <a:t>feladatkört</a:t>
+            </a:r>
+            <a:r>
+              <a:rPr lang="en-US" sz="2000" dirty="0"/>
+              <a:t> </a:t>
+            </a:r>
+            <a:r>
+              <a:rPr lang="en-US" sz="2000" dirty="0" err="1"/>
+              <a:t>lát</a:t>
+            </a:r>
+            <a:r>
+              <a:rPr lang="en-US" sz="2000" dirty="0"/>
+              <a:t> </a:t>
+            </a:r>
+            <a:r>
+              <a:rPr lang="en-US" sz="2000" dirty="0" err="1"/>
+              <a:t>el</a:t>
+            </a:r>
+            <a:r>
+              <a:rPr lang="en-US" sz="2000" dirty="0"/>
+              <a:t>, és </a:t>
+            </a:r>
+            <a:r>
+              <a:rPr lang="en-US" sz="2000" dirty="0" err="1"/>
+              <a:t>ezek</a:t>
+            </a:r>
+            <a:r>
+              <a:rPr lang="en-US" sz="2000" dirty="0"/>
+              <a:t> </a:t>
+            </a:r>
+            <a:r>
+              <a:rPr lang="en-US" sz="2000" dirty="0" err="1"/>
+              <a:t>egymásra</a:t>
+            </a:r>
+            <a:r>
+              <a:rPr lang="en-US" sz="2000" dirty="0"/>
+              <a:t> </a:t>
+            </a:r>
+            <a:r>
+              <a:rPr lang="en-US" sz="2000" dirty="0" err="1"/>
+              <a:t>épülnek</a:t>
+            </a:r>
+            <a:r>
+              <a:rPr lang="en-US" sz="2000" dirty="0"/>
+              <a:t>.</a:t>
+            </a:r>
+            <a:endParaRPr lang="hu-HU" sz="2000" dirty="0"/>
           </a:p>
           <a:p>
             <a:pPr>
@@ -27552,204 +27950,71 @@
               </a:lnSpc>
             </a:pPr>
             <a:r>
-              <a:rPr lang="hu-HU" sz="1700" dirty="0"/>
-              <a:t>Szállítási réteg (TCP, UDP)</a:t>
-            </a:r>
-          </a:p>
-          <a:p>
-            <a:pPr>
-              <a:lnSpc>
-                <a:spcPct val="100000"/>
-              </a:lnSpc>
-            </a:pPr>
-            <a:r>
-              <a:rPr lang="hu-HU" sz="1700" dirty="0"/>
-              <a:t>Hálózati réteg (IP)</a:t>
-            </a:r>
-          </a:p>
-          <a:p>
-            <a:pPr>
-              <a:lnSpc>
-                <a:spcPct val="100000"/>
-              </a:lnSpc>
-            </a:pPr>
-            <a:r>
-              <a:rPr lang="hu-HU" sz="1700" dirty="0"/>
-              <a:t>Hálózati hozzáférési (fizikai) réteg (pl. Ethernet)</a:t>
-            </a:r>
-          </a:p>
-          <a:p>
-            <a:pPr>
-              <a:lnSpc>
-                <a:spcPct val="100000"/>
-              </a:lnSpc>
-            </a:pPr>
-            <a:endParaRPr lang="hu-HU" sz="1700" dirty="0"/>
-          </a:p>
-          <a:p>
-            <a:pPr>
-              <a:lnSpc>
-                <a:spcPct val="100000"/>
-              </a:lnSpc>
-            </a:pPr>
-            <a:r>
-              <a:rPr lang="hu-HU" sz="1700" dirty="0"/>
-              <a:t>M</a:t>
-            </a:r>
-            <a:r>
-              <a:rPr lang="en-US" sz="1700" dirty="0" err="1"/>
-              <a:t>inden</a:t>
-            </a:r>
-            <a:r>
-              <a:rPr lang="en-US" sz="1700" dirty="0"/>
-              <a:t> </a:t>
-            </a:r>
-            <a:r>
-              <a:rPr lang="en-US" sz="1700" dirty="0" err="1"/>
-              <a:t>réteg</a:t>
-            </a:r>
-            <a:r>
-              <a:rPr lang="en-US" sz="1700" dirty="0"/>
-              <a:t> </a:t>
-            </a:r>
-            <a:r>
-              <a:rPr lang="en-US" sz="1700" dirty="0" err="1"/>
-              <a:t>egy-egy</a:t>
-            </a:r>
-            <a:r>
-              <a:rPr lang="en-US" sz="1700" dirty="0"/>
-              <a:t> </a:t>
-            </a:r>
-            <a:r>
-              <a:rPr lang="en-US" sz="1700" dirty="0" err="1"/>
-              <a:t>konkrét</a:t>
-            </a:r>
-            <a:r>
-              <a:rPr lang="en-US" sz="1700" dirty="0"/>
-              <a:t> </a:t>
-            </a:r>
-            <a:r>
-              <a:rPr lang="en-US" sz="1700" dirty="0" err="1"/>
-              <a:t>feladatkört</a:t>
-            </a:r>
-            <a:r>
-              <a:rPr lang="en-US" sz="1700" dirty="0"/>
-              <a:t> </a:t>
-            </a:r>
-            <a:r>
-              <a:rPr lang="en-US" sz="1700" dirty="0" err="1"/>
-              <a:t>lát</a:t>
-            </a:r>
-            <a:r>
-              <a:rPr lang="en-US" sz="1700" dirty="0"/>
-              <a:t> </a:t>
-            </a:r>
-            <a:r>
-              <a:rPr lang="en-US" sz="1700" dirty="0" err="1"/>
-              <a:t>el</a:t>
-            </a:r>
-            <a:r>
-              <a:rPr lang="en-US" sz="1700" dirty="0"/>
-              <a:t>, és </a:t>
-            </a:r>
-            <a:r>
-              <a:rPr lang="en-US" sz="1700" dirty="0" err="1"/>
-              <a:t>ezek</a:t>
-            </a:r>
-            <a:r>
-              <a:rPr lang="en-US" sz="1700" dirty="0"/>
-              <a:t> </a:t>
-            </a:r>
-            <a:r>
-              <a:rPr lang="en-US" sz="1700" dirty="0" err="1"/>
-              <a:t>egymásra</a:t>
-            </a:r>
-            <a:r>
-              <a:rPr lang="en-US" sz="1700" dirty="0"/>
-              <a:t> </a:t>
-            </a:r>
-            <a:r>
-              <a:rPr lang="en-US" sz="1700" dirty="0" err="1"/>
-              <a:t>épülnek</a:t>
-            </a:r>
-            <a:r>
-              <a:rPr lang="en-US" sz="1700" dirty="0"/>
-              <a:t>.</a:t>
-            </a:r>
-            <a:endParaRPr lang="hu-HU" sz="1700" dirty="0"/>
-          </a:p>
-          <a:p>
-            <a:pPr>
-              <a:lnSpc>
-                <a:spcPct val="100000"/>
-              </a:lnSpc>
-            </a:pPr>
-            <a:r>
-              <a:rPr lang="en-US" sz="1700" dirty="0"/>
+              <a:rPr lang="en-US" sz="2000" dirty="0"/>
               <a:t>A TCP/IP </a:t>
             </a:r>
             <a:r>
-              <a:rPr lang="en-US" sz="1700" dirty="0" err="1"/>
+              <a:rPr lang="en-US" sz="2000" dirty="0" err="1"/>
               <a:t>modell</a:t>
             </a:r>
             <a:r>
-              <a:rPr lang="en-US" sz="1700" dirty="0"/>
-              <a:t> </a:t>
-            </a:r>
-            <a:r>
-              <a:rPr lang="en-US" sz="1700" dirty="0" err="1"/>
+              <a:rPr lang="en-US" sz="2000" dirty="0"/>
+              <a:t> </a:t>
+            </a:r>
+            <a:r>
+              <a:rPr lang="en-US" sz="2000" dirty="0" err="1"/>
               <a:t>nagyon</a:t>
             </a:r>
             <a:r>
-              <a:rPr lang="en-US" sz="1700" dirty="0"/>
-              <a:t> </a:t>
-            </a:r>
-            <a:r>
-              <a:rPr lang="en-US" sz="1700" dirty="0" err="1"/>
+              <a:rPr lang="en-US" sz="2000" dirty="0"/>
+              <a:t> </a:t>
+            </a:r>
+            <a:r>
+              <a:rPr lang="en-US" sz="2000" dirty="0" err="1"/>
               <a:t>praktikus</a:t>
             </a:r>
             <a:r>
-              <a:rPr lang="en-US" sz="1700" dirty="0"/>
+              <a:rPr lang="en-US" sz="2000" dirty="0"/>
               <a:t>, </a:t>
             </a:r>
             <a:r>
-              <a:rPr lang="en-US" sz="1700" dirty="0" err="1"/>
+              <a:rPr lang="en-US" sz="2000" dirty="0" err="1"/>
               <a:t>mert</a:t>
             </a:r>
             <a:r>
-              <a:rPr lang="en-US" sz="1700" dirty="0"/>
-              <a:t> </a:t>
-            </a:r>
-            <a:r>
-              <a:rPr lang="en-US" sz="1700" dirty="0" err="1"/>
+              <a:rPr lang="en-US" sz="2000" dirty="0"/>
+              <a:t> </a:t>
+            </a:r>
+            <a:r>
+              <a:rPr lang="en-US" sz="2000" dirty="0" err="1"/>
               <a:t>kifejezetten</a:t>
             </a:r>
             <a:r>
-              <a:rPr lang="en-US" sz="1700" dirty="0"/>
+              <a:rPr lang="en-US" sz="2000" dirty="0"/>
               <a:t> a modern </a:t>
             </a:r>
             <a:r>
-              <a:rPr lang="en-US" sz="1700" dirty="0" err="1"/>
+              <a:rPr lang="en-US" sz="2000" dirty="0" err="1"/>
               <a:t>internetes</a:t>
             </a:r>
             <a:r>
-              <a:rPr lang="en-US" sz="1700" dirty="0"/>
-              <a:t> </a:t>
-            </a:r>
-            <a:r>
-              <a:rPr lang="en-US" sz="1700" dirty="0" err="1"/>
+              <a:rPr lang="en-US" sz="2000" dirty="0"/>
+              <a:t> </a:t>
+            </a:r>
+            <a:r>
+              <a:rPr lang="en-US" sz="2000" dirty="0" err="1"/>
               <a:t>kommunikációhoz</a:t>
             </a:r>
             <a:r>
-              <a:rPr lang="en-US" sz="1700" dirty="0"/>
-              <a:t> </a:t>
-            </a:r>
-            <a:r>
-              <a:rPr lang="en-US" sz="1700" dirty="0" err="1"/>
+              <a:rPr lang="en-US" sz="2000" dirty="0"/>
+              <a:t> </a:t>
+            </a:r>
+            <a:r>
+              <a:rPr lang="en-US" sz="2000" dirty="0" err="1"/>
               <a:t>készült</a:t>
             </a:r>
             <a:r>
-              <a:rPr lang="en-US" sz="1700" dirty="0"/>
+              <a:rPr lang="en-US" sz="2000" dirty="0"/>
               <a:t>.</a:t>
             </a:r>
           </a:p>
@@ -27989,15 +28254,15 @@
           <a:lstStyle/>
           <a:p>
             <a:r>
-              <a:rPr lang="en-US" dirty="0"/>
+              <a:rPr lang="en-US" b="1" dirty="0"/>
               <a:t>Csomag </a:t>
             </a:r>
             <a:r>
-              <a:rPr lang="en-US" dirty="0" err="1"/>
+              <a:rPr lang="en-US" b="1" dirty="0" err="1"/>
               <a:t>alapú</a:t>
             </a:r>
             <a:r>
-              <a:rPr lang="en-US" dirty="0"/>
+              <a:rPr lang="en-US" b="1" dirty="0"/>
               <a:t> </a:t>
             </a:r>
             <a:r>
@@ -28017,19 +28282,35 @@
             </a:r>
             <a:r>
               <a:rPr lang="hu-HU" dirty="0"/>
-              <a:t> alapú (legjobb szándék) csomagszállítás a forrástól a célig</a:t>
-            </a:r>
-          </a:p>
-          <a:p>
+              <a:t> alapú (</a:t>
+            </a:r>
+            <a:r>
+              <a:rPr lang="hu-HU" b="1" dirty="0"/>
+              <a:t>legjobb szándék</a:t>
+            </a:r>
             <a:r>
               <a:rPr lang="hu-HU" dirty="0"/>
-              <a:t>Összeköttetés mentes: nem épít ki kapcsolatot a végpontok között.</a:t>
-            </a:r>
-          </a:p>
-          <a:p>
+              <a:t>) csomagszállítás a forrástól a célig</a:t>
+            </a:r>
+          </a:p>
+          <a:p>
+            <a:r>
+              <a:rPr lang="hu-HU" b="1" dirty="0"/>
+              <a:t>Összeköttetés mentes</a:t>
+            </a:r>
             <a:r>
               <a:rPr lang="hu-HU" dirty="0"/>
-              <a:t>Megbízhatatlan: Nem garantálja a csomag kézbesítését, sem a sorrendet.</a:t>
+              <a:t>: nem épít ki kapcsolatot a végpontok között.</a:t>
+            </a:r>
+          </a:p>
+          <a:p>
+            <a:r>
+              <a:rPr lang="hu-HU" b="1" dirty="0"/>
+              <a:t>Megbízhatatlan</a:t>
+            </a:r>
+            <a:r>
+              <a:rPr lang="hu-HU" dirty="0"/>
+              <a:t>: Nem garantálja a csomag kézbesítését, sem a sorrendet.</a:t>
             </a:r>
           </a:p>
           <a:p>
@@ -28046,8 +28327,12 @@
           </a:p>
           <a:p>
             <a:r>
+              <a:rPr lang="hu-HU" b="1" dirty="0"/>
+              <a:t>Útválasztás</a:t>
+            </a:r>
+            <a:r>
               <a:rPr lang="hu-HU" dirty="0"/>
-              <a:t>Útválasztás (</a:t>
+              <a:t> (</a:t>
             </a:r>
             <a:r>
               <a:rPr lang="hu-HU" dirty="0" err="1"/>

--- a/01/01_eloadas_internet_alapjai_tcp_ip.pptx
+++ b/01/01_eloadas_internet_alapjai_tcp_ip.pptx
@@ -3755,7 +3755,7 @@
           <a:p>
             <a:fld id="{4C482E4E-5CEC-44A9-BF2B-512FB3B5604F}" type="datetimeFigureOut">
               <a:rPr lang="en-US" smtClean="0"/>
-              <a:t>2/7/2026</a:t>
+              <a:t>2/15/2026</a:t>
             </a:fld>
             <a:endParaRPr lang="en-US"/>
           </a:p>
@@ -5429,6 +5429,10 @@
               <a:t>ms</a:t>
             </a:r>
             <a:r>
+              <a:rPr lang="hu-HU" dirty="0"/>
+              <a:t>-ot</a:t>
+            </a:r>
+            <a:r>
               <a:rPr lang="en-US" dirty="0"/>
               <a:t> </a:t>
             </a:r>
@@ -5454,11 +5458,11 @@
             </a:r>
             <a:r>
               <a:rPr lang="en-US" dirty="0"/>
-              <a:t> </a:t>
-            </a:r>
-            <a:r>
-              <a:rPr lang="en-US" dirty="0" err="1"/>
-              <a:t>lesz</a:t>
+              <a:t> le</a:t>
+            </a:r>
+            <a:r>
+              <a:rPr lang="hu-HU" dirty="0" err="1"/>
+              <a:t>het</a:t>
             </a:r>
             <a:r>
               <a:rPr lang="en-US" dirty="0"/>
@@ -7426,73 +7430,10 @@
               <a:rPr lang="en-US" dirty="0"/>
               <a:t>.</a:t>
             </a:r>
-            <a:br>
-              <a:rPr lang="en-US" dirty="0"/>
-            </a:br>
-            <a:r>
-              <a:rPr lang="en-US" dirty="0" err="1"/>
-              <a:t>Amikor</a:t>
-            </a:r>
-            <a:r>
-              <a:rPr lang="en-US" dirty="0"/>
-              <a:t> </a:t>
-            </a:r>
-            <a:r>
-              <a:rPr lang="en-US" dirty="0" err="1"/>
-              <a:t>beírsz</a:t>
-            </a:r>
-            <a:r>
-              <a:rPr lang="en-US" dirty="0"/>
-              <a:t> </a:t>
-            </a:r>
-            <a:r>
-              <a:rPr lang="en-US" dirty="0" err="1"/>
-              <a:t>egy</a:t>
-            </a:r>
-            <a:r>
-              <a:rPr lang="en-US" dirty="0"/>
-              <a:t> URL-t, </a:t>
-            </a:r>
-            <a:r>
-              <a:rPr lang="en-US" dirty="0" err="1"/>
-              <a:t>például</a:t>
-            </a:r>
-            <a:r>
-              <a:rPr lang="en-US" dirty="0"/>
-              <a:t> </a:t>
-            </a:r>
-            <a:r>
-              <a:rPr lang="en-US" sz="1200" kern="1200" dirty="0">
-                <a:solidFill>
-                  <a:schemeClr val="tx1"/>
-                </a:solidFill>
-                <a:latin typeface="+mn-lt"/>
-                <a:ea typeface="+mn-ea"/>
-                <a:cs typeface="+mn-cs"/>
-              </a:rPr>
-              <a:t>youtube.com</a:t>
-            </a:r>
-            <a:r>
-              <a:rPr lang="en-US" dirty="0"/>
-              <a:t>, a </a:t>
-            </a:r>
-            <a:r>
-              <a:rPr lang="en-US" dirty="0" err="1"/>
-              <a:t>következő</a:t>
-            </a:r>
-            <a:r>
-              <a:rPr lang="en-US" dirty="0"/>
-              <a:t> </a:t>
-            </a:r>
-            <a:r>
-              <a:rPr lang="en-US" dirty="0" err="1"/>
-              <a:t>történik</a:t>
-            </a:r>
-            <a:r>
-              <a:rPr lang="en-US" dirty="0"/>
-              <a:t>:</a:t>
-            </a:r>
-            <a:endParaRPr lang="hu-HU" dirty="0"/>
+            <a:r>
+              <a:rPr lang="hu-HU" dirty="0"/>
+              <a:t> A következő történik:</a:t>
+            </a:r>
           </a:p>
           <a:p>
             <a:endParaRPr lang="en-US" dirty="0"/>
@@ -7894,6 +7835,9 @@
               <a:rPr lang="en-US" dirty="0"/>
               <a:t>.</a:t>
             </a:r>
+          </a:p>
+          <a:p>
+            <a:endParaRPr lang="hu-HU" dirty="0"/>
           </a:p>
           <a:p>
             <a:r>
@@ -9897,7 +9841,7 @@
               <a:t> </a:t>
             </a:r>
             <a:r>
-              <a:rPr lang="en-US" dirty="0" err="1"/>
+              <a:rPr lang="hu-HU" dirty="0"/>
               <a:t>gépi</a:t>
             </a:r>
             <a:r>
@@ -10644,7 +10588,7 @@
             </a:r>
             <a:r>
               <a:rPr lang="hu-HU" dirty="0"/>
-              <a:t> továbbítja az adatokat. Tipikusan Ethernet keretek egy lokális hálózatban (LAN). De az Internet gerincén más fizikai hálózati protokollok és technológiák lehetnek. Ez transzparens a felette lévő rétegek számára.</a:t>
+              <a:t> továbbítja az adatokat. Tipikusan Ethernet keretek egy lokális hálózatban (LAN). De az Internet gerincén más fizikai hálózati hozzáférési protokollok és technológiák lehetnek. Ez transzparens a felette lévő rétegek számára.</a:t>
             </a:r>
             <a:endParaRPr lang="en-US" dirty="0"/>
           </a:p>
@@ -12031,39 +11975,7 @@
             </a:r>
             <a:r>
               <a:rPr lang="en-US" dirty="0"/>
-              <a:t> meg, </a:t>
-            </a:r>
-            <a:r>
-              <a:rPr lang="en-US" dirty="0" err="1"/>
-              <a:t>azonban</a:t>
-            </a:r>
-            <a:r>
-              <a:rPr lang="en-US" dirty="0"/>
-              <a:t> </a:t>
-            </a:r>
-            <a:r>
-              <a:rPr lang="en-US" dirty="0" err="1"/>
-              <a:t>csak</a:t>
-            </a:r>
-            <a:r>
-              <a:rPr lang="en-US" dirty="0"/>
-              <a:t> a </a:t>
-            </a:r>
-            <a:r>
-              <a:rPr lang="en-US" dirty="0" err="1"/>
-              <a:t>lokálisan</a:t>
-            </a:r>
-            <a:r>
-              <a:rPr lang="en-US" dirty="0"/>
-              <a:t> </a:t>
-            </a:r>
-            <a:r>
-              <a:rPr lang="en-US" dirty="0" err="1"/>
-              <a:t>értelmezendô</a:t>
-            </a:r>
-            <a:r>
-              <a:rPr lang="en-US" dirty="0"/>
-              <a:t>. </a:t>
+              <a:t> meg. </a:t>
             </a:r>
             <a:r>
               <a:rPr lang="en-US" dirty="0" err="1"/>
@@ -12433,14 +12345,6 @@
             </a:r>
             <a:r>
               <a:rPr lang="en-US" dirty="0" err="1"/>
-              <a:t>mező</a:t>
-            </a:r>
-            <a:r>
-              <a:rPr lang="en-US" dirty="0"/>
-              <a:t> </a:t>
-            </a:r>
-            <a:r>
-              <a:rPr lang="en-US" dirty="0" err="1"/>
               <a:t>egy</a:t>
             </a:r>
             <a:r>
@@ -13540,6 +13444,10 @@
             <a:r>
               <a:rPr lang="en-US" dirty="0" err="1"/>
               <a:t>vevô</a:t>
+            </a:r>
+            <a:r>
+              <a:rPr lang="hu-HU" dirty="0"/>
+              <a:t> (célállomás)</a:t>
             </a:r>
             <a:r>
               <a:rPr lang="en-US" dirty="0"/>
@@ -14688,7 +14596,7 @@
           <a:p>
             <a:fld id="{E80C50CD-E178-4744-9B35-B2F624D6C5E9}" type="datetimeFigureOut">
               <a:rPr lang="en-US" smtClean="0"/>
-              <a:t>2/7/2026</a:t>
+              <a:t>2/15/2026</a:t>
             </a:fld>
             <a:endParaRPr lang="en-US"/>
           </a:p>
@@ -14886,7 +14794,7 @@
           <a:p>
             <a:fld id="{E80C50CD-E178-4744-9B35-B2F624D6C5E9}" type="datetimeFigureOut">
               <a:rPr lang="en-US" smtClean="0"/>
-              <a:t>2/7/2026</a:t>
+              <a:t>2/15/2026</a:t>
             </a:fld>
             <a:endParaRPr lang="en-US"/>
           </a:p>
@@ -15094,7 +15002,7 @@
           <a:p>
             <a:fld id="{E80C50CD-E178-4744-9B35-B2F624D6C5E9}" type="datetimeFigureOut">
               <a:rPr lang="en-US" smtClean="0"/>
-              <a:t>2/7/2026</a:t>
+              <a:t>2/15/2026</a:t>
             </a:fld>
             <a:endParaRPr lang="en-US"/>
           </a:p>
@@ -15344,7 +15252,7 @@
           <a:p>
             <a:fld id="{E80C50CD-E178-4744-9B35-B2F624D6C5E9}" type="datetimeFigureOut">
               <a:rPr lang="en-US" smtClean="0"/>
-              <a:t>2/7/2026</a:t>
+              <a:t>2/15/2026</a:t>
             </a:fld>
             <a:endParaRPr lang="en-US"/>
           </a:p>
@@ -15623,7 +15531,7 @@
           <a:p>
             <a:fld id="{E80C50CD-E178-4744-9B35-B2F624D6C5E9}" type="datetimeFigureOut">
               <a:rPr lang="en-US" smtClean="0"/>
-              <a:t>2/7/2026</a:t>
+              <a:t>2/15/2026</a:t>
             </a:fld>
             <a:endParaRPr lang="en-US"/>
           </a:p>
@@ -15940,7 +15848,7 @@
           <a:p>
             <a:fld id="{E80C50CD-E178-4744-9B35-B2F624D6C5E9}" type="datetimeFigureOut">
               <a:rPr lang="en-US" smtClean="0"/>
-              <a:t>2/7/2026</a:t>
+              <a:t>2/15/2026</a:t>
             </a:fld>
             <a:endParaRPr lang="en-US"/>
           </a:p>
@@ -16356,7 +16264,7 @@
           <a:p>
             <a:fld id="{E80C50CD-E178-4744-9B35-B2F624D6C5E9}" type="datetimeFigureOut">
               <a:rPr lang="en-US" smtClean="0"/>
-              <a:t>2/7/2026</a:t>
+              <a:t>2/15/2026</a:t>
             </a:fld>
             <a:endParaRPr lang="en-US"/>
           </a:p>
@@ -16497,7 +16405,7 @@
           <a:p>
             <a:fld id="{E80C50CD-E178-4744-9B35-B2F624D6C5E9}" type="datetimeFigureOut">
               <a:rPr lang="en-US" smtClean="0"/>
-              <a:t>2/7/2026</a:t>
+              <a:t>2/15/2026</a:t>
             </a:fld>
             <a:endParaRPr lang="en-US"/>
           </a:p>
@@ -16610,7 +16518,7 @@
           <a:p>
             <a:fld id="{E80C50CD-E178-4744-9B35-B2F624D6C5E9}" type="datetimeFigureOut">
               <a:rPr lang="en-US" smtClean="0"/>
-              <a:t>2/7/2026</a:t>
+              <a:t>2/15/2026</a:t>
             </a:fld>
             <a:endParaRPr lang="en-US"/>
           </a:p>
@@ -16927,7 +16835,7 @@
           <a:p>
             <a:fld id="{E80C50CD-E178-4744-9B35-B2F624D6C5E9}" type="datetimeFigureOut">
               <a:rPr lang="en-US" smtClean="0"/>
-              <a:t>2/7/2026</a:t>
+              <a:t>2/15/2026</a:t>
             </a:fld>
             <a:endParaRPr lang="en-US"/>
           </a:p>
@@ -17219,7 +17127,7 @@
           <a:p>
             <a:fld id="{E80C50CD-E178-4744-9B35-B2F624D6C5E9}" type="datetimeFigureOut">
               <a:rPr lang="en-US" smtClean="0"/>
-              <a:t>2/7/2026</a:t>
+              <a:t>2/15/2026</a:t>
             </a:fld>
             <a:endParaRPr lang="en-US"/>
           </a:p>
@@ -17459,7 +17367,7 @@
             <a:fld id="{E80C50CD-E178-4744-9B35-B2F624D6C5E9}" type="datetimeFigureOut">
               <a:rPr lang="en-US" smtClean="0"/>
               <a:pPr/>
-              <a:t>2/7/2026</a:t>
+              <a:t>2/15/2026</a:t>
             </a:fld>
             <a:endParaRPr lang="en-US"/>
           </a:p>
@@ -19019,7 +18927,7 @@
                 <a:effectLst/>
                 <a:latin typeface="Arial" panose="020B0604020202020204" pitchFamily="34" charset="0"/>
               </a:rPr>
-              <a:t>Folyam-vezérlés</a:t>
+              <a:t>Folyamvezérlés</a:t>
             </a:r>
             <a:r>
               <a:rPr kumimoji="0" lang="hu-HU" altLang="en-US" b="0" i="0" u="none" strike="noStrike" cap="none" normalizeH="0" baseline="0" dirty="0">
@@ -27275,27 +27183,7 @@
                 <a:effectLst/>
                 <a:latin typeface="Arial" panose="020B0604020202020204" pitchFamily="34" charset="0"/>
               </a:rPr>
-              <a:t>, amelyekkel a </a:t>
-            </a:r>
-            <a:r>
-              <a:rPr kumimoji="0" lang="hu-HU" altLang="en-US" b="0" i="0" u="none" strike="noStrike" cap="none" normalizeH="0" baseline="0" dirty="0" err="1">
-                <a:ln>
-                  <a:noFill/>
-                </a:ln>
-                <a:effectLst/>
-                <a:latin typeface="Arial" panose="020B0604020202020204" pitchFamily="34" charset="0"/>
-              </a:rPr>
-              <a:t>a</a:t>
-            </a:r>
-            <a:r>
-              <a:rPr kumimoji="0" lang="hu-HU" altLang="en-US" b="0" i="0" u="none" strike="noStrike" cap="none" normalizeH="0" baseline="0" dirty="0">
-                <a:ln>
-                  <a:noFill/>
-                </a:ln>
-                <a:effectLst/>
-                <a:latin typeface="Arial" panose="020B0604020202020204" pitchFamily="34" charset="0"/>
-              </a:rPr>
-              <a:t> félév során megismerkedünk.</a:t>
+              <a:t>, amelyekkel a félév során megismerkedünk.</a:t>
             </a:r>
             <a:endParaRPr kumimoji="0" lang="en-US" altLang="en-US" b="0" i="0" u="none" strike="noStrike" cap="none" normalizeH="0" baseline="0" dirty="0">
               <a:ln>

--- a/01/01_eloadas_internet_alapjai_tcp_ip.pptx
+++ b/01/01_eloadas_internet_alapjai_tcp_ip.pptx
@@ -3755,7 +3755,7 @@
           <a:p>
             <a:fld id="{4C482E4E-5CEC-44A9-BF2B-512FB3B5604F}" type="datetimeFigureOut">
               <a:rPr lang="en-US" smtClean="0"/>
-              <a:t>2/15/2026</a:t>
+              <a:t>2/16/2026</a:t>
             </a:fld>
             <a:endParaRPr lang="en-US"/>
           </a:p>
@@ -14596,7 +14596,7 @@
           <a:p>
             <a:fld id="{E80C50CD-E178-4744-9B35-B2F624D6C5E9}" type="datetimeFigureOut">
               <a:rPr lang="en-US" smtClean="0"/>
-              <a:t>2/15/2026</a:t>
+              <a:t>2/16/2026</a:t>
             </a:fld>
             <a:endParaRPr lang="en-US"/>
           </a:p>
@@ -14794,7 +14794,7 @@
           <a:p>
             <a:fld id="{E80C50CD-E178-4744-9B35-B2F624D6C5E9}" type="datetimeFigureOut">
               <a:rPr lang="en-US" smtClean="0"/>
-              <a:t>2/15/2026</a:t>
+              <a:t>2/16/2026</a:t>
             </a:fld>
             <a:endParaRPr lang="en-US"/>
           </a:p>
@@ -15002,7 +15002,7 @@
           <a:p>
             <a:fld id="{E80C50CD-E178-4744-9B35-B2F624D6C5E9}" type="datetimeFigureOut">
               <a:rPr lang="en-US" smtClean="0"/>
-              <a:t>2/15/2026</a:t>
+              <a:t>2/16/2026</a:t>
             </a:fld>
             <a:endParaRPr lang="en-US"/>
           </a:p>
@@ -15252,7 +15252,7 @@
           <a:p>
             <a:fld id="{E80C50CD-E178-4744-9B35-B2F624D6C5E9}" type="datetimeFigureOut">
               <a:rPr lang="en-US" smtClean="0"/>
-              <a:t>2/15/2026</a:t>
+              <a:t>2/16/2026</a:t>
             </a:fld>
             <a:endParaRPr lang="en-US"/>
           </a:p>
@@ -15531,7 +15531,7 @@
           <a:p>
             <a:fld id="{E80C50CD-E178-4744-9B35-B2F624D6C5E9}" type="datetimeFigureOut">
               <a:rPr lang="en-US" smtClean="0"/>
-              <a:t>2/15/2026</a:t>
+              <a:t>2/16/2026</a:t>
             </a:fld>
             <a:endParaRPr lang="en-US"/>
           </a:p>
@@ -15848,7 +15848,7 @@
           <a:p>
             <a:fld id="{E80C50CD-E178-4744-9B35-B2F624D6C5E9}" type="datetimeFigureOut">
               <a:rPr lang="en-US" smtClean="0"/>
-              <a:t>2/15/2026</a:t>
+              <a:t>2/16/2026</a:t>
             </a:fld>
             <a:endParaRPr lang="en-US"/>
           </a:p>
@@ -16264,7 +16264,7 @@
           <a:p>
             <a:fld id="{E80C50CD-E178-4744-9B35-B2F624D6C5E9}" type="datetimeFigureOut">
               <a:rPr lang="en-US" smtClean="0"/>
-              <a:t>2/15/2026</a:t>
+              <a:t>2/16/2026</a:t>
             </a:fld>
             <a:endParaRPr lang="en-US"/>
           </a:p>
@@ -16405,7 +16405,7 @@
           <a:p>
             <a:fld id="{E80C50CD-E178-4744-9B35-B2F624D6C5E9}" type="datetimeFigureOut">
               <a:rPr lang="en-US" smtClean="0"/>
-              <a:t>2/15/2026</a:t>
+              <a:t>2/16/2026</a:t>
             </a:fld>
             <a:endParaRPr lang="en-US"/>
           </a:p>
@@ -16518,7 +16518,7 @@
           <a:p>
             <a:fld id="{E80C50CD-E178-4744-9B35-B2F624D6C5E9}" type="datetimeFigureOut">
               <a:rPr lang="en-US" smtClean="0"/>
-              <a:t>2/15/2026</a:t>
+              <a:t>2/16/2026</a:t>
             </a:fld>
             <a:endParaRPr lang="en-US"/>
           </a:p>
@@ -16835,7 +16835,7 @@
           <a:p>
             <a:fld id="{E80C50CD-E178-4744-9B35-B2F624D6C5E9}" type="datetimeFigureOut">
               <a:rPr lang="en-US" smtClean="0"/>
-              <a:t>2/15/2026</a:t>
+              <a:t>2/16/2026</a:t>
             </a:fld>
             <a:endParaRPr lang="en-US"/>
           </a:p>
@@ -17127,7 +17127,7 @@
           <a:p>
             <a:fld id="{E80C50CD-E178-4744-9B35-B2F624D6C5E9}" type="datetimeFigureOut">
               <a:rPr lang="en-US" smtClean="0"/>
-              <a:t>2/15/2026</a:t>
+              <a:t>2/16/2026</a:t>
             </a:fld>
             <a:endParaRPr lang="en-US"/>
           </a:p>
@@ -17367,7 +17367,7 @@
             <a:fld id="{E80C50CD-E178-4744-9B35-B2F624D6C5E9}" type="datetimeFigureOut">
               <a:rPr lang="en-US" smtClean="0"/>
               <a:pPr/>
-              <a:t>2/15/2026</a:t>
+              <a:t>2/16/2026</a:t>
             </a:fld>
             <a:endParaRPr lang="en-US"/>
           </a:p>
@@ -21822,7 +21822,7 @@
                 <a:effectLst/>
                 <a:latin typeface="Arial" panose="020B0604020202020204" pitchFamily="34" charset="0"/>
               </a:rPr>
-              <a:t>Identifier</a:t>
+              <a:t>Locator</a:t>
             </a:r>
             <a:r>
               <a:rPr kumimoji="0" lang="hu-HU" altLang="en-US" sz="1800" b="0" i="0" u="none" strike="noStrike" cap="none" normalizeH="0" baseline="0" dirty="0">

--- a/01/01_eloadas_internet_alapjai_tcp_ip.pptx
+++ b/01/01_eloadas_internet_alapjai_tcp_ip.pptx
@@ -976,10 +976,10 @@
         <a:lstStyle/>
         <a:p>
           <a:r>
-            <a:rPr lang="hu-HU"/>
+            <a:rPr lang="hu-HU" dirty="0"/>
             <a:t>2008-tól az Andtek GmbH telekommunikációs mérnöke</a:t>
           </a:r>
-          <a:endParaRPr lang="en-US"/>
+          <a:endParaRPr lang="en-US" dirty="0"/>
         </a:p>
       </dgm:t>
     </dgm:pt>
@@ -1013,10 +1013,10 @@
         <a:lstStyle/>
         <a:p>
           <a:r>
-            <a:rPr lang="hu-HU"/>
+            <a:rPr lang="hu-HU" dirty="0"/>
             <a:t>2015-tól Az Enghouse Interactive vezető fejlesztője</a:t>
           </a:r>
-          <a:endParaRPr lang="en-US"/>
+          <a:endParaRPr lang="en-US" dirty="0"/>
         </a:p>
       </dgm:t>
     </dgm:pt>
@@ -1370,7 +1370,7 @@
   <dgm:whole/>
   <dgm:extLst>
     <a:ext uri="http://schemas.microsoft.com/office/drawing/2008/diagram">
-      <dsp:dataModelExt xmlns:dsp="http://schemas.microsoft.com/office/drawing/2008/diagram" relId="rId7" minVer="http://schemas.openxmlformats.org/drawingml/2006/diagram"/>
+      <dsp:dataModelExt xmlns:dsp="http://schemas.microsoft.com/office/drawing/2008/diagram" relId="rId8" minVer="http://schemas.openxmlformats.org/drawingml/2006/diagram"/>
     </a:ext>
   </dgm:extLst>
 </dgm:dataModel>
@@ -1595,10 +1595,10 @@
             <a:buNone/>
           </a:pPr>
           <a:r>
-            <a:rPr lang="hu-HU" sz="2100" kern="1200"/>
+            <a:rPr lang="hu-HU" sz="2100" kern="1200" dirty="0"/>
             <a:t>2008-tól az Andtek GmbH telekommunikációs mérnöke</a:t>
           </a:r>
-          <a:endParaRPr lang="en-US" sz="2100" kern="1200"/>
+          <a:endParaRPr lang="en-US" sz="2100" kern="1200" dirty="0"/>
         </a:p>
       </dsp:txBody>
       <dsp:txXfrm>
@@ -1706,10 +1706,10 @@
             <a:buNone/>
           </a:pPr>
           <a:r>
-            <a:rPr lang="hu-HU" sz="2100" kern="1200"/>
+            <a:rPr lang="hu-HU" sz="2100" kern="1200" dirty="0"/>
             <a:t>2015-tól Az Enghouse Interactive vezető fejlesztője</a:t>
           </a:r>
-          <a:endParaRPr lang="en-US" sz="2100" kern="1200"/>
+          <a:endParaRPr lang="en-US" sz="2100" kern="1200" dirty="0"/>
         </a:p>
       </dsp:txBody>
       <dsp:txXfrm>
@@ -3755,7 +3755,7 @@
           <a:p>
             <a:fld id="{4C482E4E-5CEC-44A9-BF2B-512FB3B5604F}" type="datetimeFigureOut">
               <a:rPr lang="en-US" smtClean="0"/>
-              <a:t>2/16/2026</a:t>
+              <a:t>2/17/2026</a:t>
             </a:fld>
             <a:endParaRPr lang="en-US"/>
           </a:p>
@@ -14596,7 +14596,7 @@
           <a:p>
             <a:fld id="{E80C50CD-E178-4744-9B35-B2F624D6C5E9}" type="datetimeFigureOut">
               <a:rPr lang="en-US" smtClean="0"/>
-              <a:t>2/16/2026</a:t>
+              <a:t>2/17/2026</a:t>
             </a:fld>
             <a:endParaRPr lang="en-US"/>
           </a:p>
@@ -14794,7 +14794,7 @@
           <a:p>
             <a:fld id="{E80C50CD-E178-4744-9B35-B2F624D6C5E9}" type="datetimeFigureOut">
               <a:rPr lang="en-US" smtClean="0"/>
-              <a:t>2/16/2026</a:t>
+              <a:t>2/17/2026</a:t>
             </a:fld>
             <a:endParaRPr lang="en-US"/>
           </a:p>
@@ -15002,7 +15002,7 @@
           <a:p>
             <a:fld id="{E80C50CD-E178-4744-9B35-B2F624D6C5E9}" type="datetimeFigureOut">
               <a:rPr lang="en-US" smtClean="0"/>
-              <a:t>2/16/2026</a:t>
+              <a:t>2/17/2026</a:t>
             </a:fld>
             <a:endParaRPr lang="en-US"/>
           </a:p>
@@ -15252,7 +15252,7 @@
           <a:p>
             <a:fld id="{E80C50CD-E178-4744-9B35-B2F624D6C5E9}" type="datetimeFigureOut">
               <a:rPr lang="en-US" smtClean="0"/>
-              <a:t>2/16/2026</a:t>
+              <a:t>2/17/2026</a:t>
             </a:fld>
             <a:endParaRPr lang="en-US"/>
           </a:p>
@@ -15531,7 +15531,7 @@
           <a:p>
             <a:fld id="{E80C50CD-E178-4744-9B35-B2F624D6C5E9}" type="datetimeFigureOut">
               <a:rPr lang="en-US" smtClean="0"/>
-              <a:t>2/16/2026</a:t>
+              <a:t>2/17/2026</a:t>
             </a:fld>
             <a:endParaRPr lang="en-US"/>
           </a:p>
@@ -15848,7 +15848,7 @@
           <a:p>
             <a:fld id="{E80C50CD-E178-4744-9B35-B2F624D6C5E9}" type="datetimeFigureOut">
               <a:rPr lang="en-US" smtClean="0"/>
-              <a:t>2/16/2026</a:t>
+              <a:t>2/17/2026</a:t>
             </a:fld>
             <a:endParaRPr lang="en-US"/>
           </a:p>
@@ -16264,7 +16264,7 @@
           <a:p>
             <a:fld id="{E80C50CD-E178-4744-9B35-B2F624D6C5E9}" type="datetimeFigureOut">
               <a:rPr lang="en-US" smtClean="0"/>
-              <a:t>2/16/2026</a:t>
+              <a:t>2/17/2026</a:t>
             </a:fld>
             <a:endParaRPr lang="en-US"/>
           </a:p>
@@ -16405,7 +16405,7 @@
           <a:p>
             <a:fld id="{E80C50CD-E178-4744-9B35-B2F624D6C5E9}" type="datetimeFigureOut">
               <a:rPr lang="en-US" smtClean="0"/>
-              <a:t>2/16/2026</a:t>
+              <a:t>2/17/2026</a:t>
             </a:fld>
             <a:endParaRPr lang="en-US"/>
           </a:p>
@@ -16518,7 +16518,7 @@
           <a:p>
             <a:fld id="{E80C50CD-E178-4744-9B35-B2F624D6C5E9}" type="datetimeFigureOut">
               <a:rPr lang="en-US" smtClean="0"/>
-              <a:t>2/16/2026</a:t>
+              <a:t>2/17/2026</a:t>
             </a:fld>
             <a:endParaRPr lang="en-US"/>
           </a:p>
@@ -16835,7 +16835,7 @@
           <a:p>
             <a:fld id="{E80C50CD-E178-4744-9B35-B2F624D6C5E9}" type="datetimeFigureOut">
               <a:rPr lang="en-US" smtClean="0"/>
-              <a:t>2/16/2026</a:t>
+              <a:t>2/17/2026</a:t>
             </a:fld>
             <a:endParaRPr lang="en-US"/>
           </a:p>
@@ -17127,7 +17127,7 @@
           <a:p>
             <a:fld id="{E80C50CD-E178-4744-9B35-B2F624D6C5E9}" type="datetimeFigureOut">
               <a:rPr lang="en-US" smtClean="0"/>
-              <a:t>2/16/2026</a:t>
+              <a:t>2/17/2026</a:t>
             </a:fld>
             <a:endParaRPr lang="en-US"/>
           </a:p>
@@ -17367,7 +17367,7 @@
             <a:fld id="{E80C50CD-E178-4744-9B35-B2F624D6C5E9}" type="datetimeFigureOut">
               <a:rPr lang="en-US" smtClean="0"/>
               <a:pPr/>
-              <a:t>2/16/2026</a:t>
+              <a:t>2/17/2026</a:t>
             </a:fld>
             <a:endParaRPr lang="en-US"/>
           </a:p>
@@ -17967,13 +17967,13 @@
         </p:nvSpPr>
         <p:spPr>
           <a:xfrm>
-            <a:off x="521208" y="978408"/>
-            <a:ext cx="3154680" cy="4069080"/>
+            <a:off x="517870" y="972996"/>
+            <a:ext cx="3540946" cy="4069080"/>
           </a:xfrm>
         </p:spPr>
         <p:txBody>
           <a:bodyPr>
-            <a:normAutofit/>
+            <a:normAutofit fontScale="90000"/>
           </a:bodyPr>
           <a:lstStyle/>
           <a:p>
@@ -17983,7 +17983,7 @@
               </a:lnSpc>
             </a:pPr>
             <a:r>
-              <a:rPr lang="hu-HU" sz="3400" dirty="0"/>
+              <a:rPr lang="hu-HU" sz="3100" dirty="0"/>
               <a:t>Balogh Zoltán</a:t>
             </a:r>
             <a:br>
@@ -17993,15 +17993,15 @@
               <a:rPr lang="hu-HU" sz="3400" dirty="0"/>
             </a:br>
             <a:r>
-              <a:rPr lang="hu-HU" sz="2400" dirty="0" err="1"/>
+              <a:rPr lang="hu-HU" sz="2000" dirty="0" err="1"/>
               <a:t>Senior</a:t>
             </a:r>
             <a:r>
-              <a:rPr lang="hu-HU" sz="2400" dirty="0"/>
+              <a:rPr lang="hu-HU" sz="2000" dirty="0"/>
               <a:t> Software </a:t>
             </a:r>
             <a:r>
-              <a:rPr lang="hu-HU" sz="2400" dirty="0" err="1"/>
+              <a:rPr lang="hu-HU" sz="2000" dirty="0" err="1"/>
               <a:t>Engineer</a:t>
             </a:r>
             <a:br>
@@ -18012,7 +18012,7 @@
             </a:br>
             <a:r>
               <a:rPr lang="hu-HU" sz="1400" dirty="0"/>
-              <a:t>Email: </a:t>
+              <a:t>Email:</a:t>
             </a:r>
             <a:br>
               <a:rPr lang="hu-HU" sz="1400" dirty="0"/>
@@ -18026,6 +18026,42 @@
               </a:rPr>
               <a:t>baloghzoltan1977@gmail.com</a:t>
             </a:r>
+            <a:br>
+              <a:rPr lang="hu-HU" sz="1400" dirty="0"/>
+            </a:br>
+            <a:br>
+              <a:rPr lang="hu-HU" sz="1400" dirty="0"/>
+            </a:br>
+            <a:br>
+              <a:rPr lang="hu-HU" sz="1400" dirty="0"/>
+            </a:br>
+            <a:r>
+              <a:rPr lang="hu-HU" sz="1400" dirty="0" err="1"/>
+              <a:t>LinkedI</a:t>
+            </a:r>
+            <a:r>
+              <a:rPr lang="hu-HU" sz="1300" dirty="0" err="1"/>
+              <a:t>n</a:t>
+            </a:r>
+            <a:r>
+              <a:rPr lang="hu-HU" sz="1300" dirty="0"/>
+              <a:t>:</a:t>
+            </a:r>
+            <a:br>
+              <a:rPr lang="hu-HU" sz="1300" dirty="0"/>
+            </a:br>
+            <a:br>
+              <a:rPr lang="hu-HU" sz="1400" dirty="0"/>
+            </a:br>
+            <a:r>
+              <a:rPr lang="en-US" sz="1400" dirty="0">
+                <a:hlinkClick r:id="rId3"/>
+              </a:rPr>
+              <a:t>www.linkedin.com/in/baloghzoltan1977</a:t>
+            </a:r>
+            <a:br>
+              <a:rPr lang="hu-HU" sz="1400" dirty="0"/>
+            </a:br>
             <a:br>
               <a:rPr lang="hu-HU" sz="1400" dirty="0"/>
             </a:br>
@@ -18178,18 +18214,18 @@
             <p:ph idx="1"/>
             <p:extLst>
               <p:ext uri="{D42A27DB-BD31-4B8C-83A1-F6EECF244321}">
-                <p14:modId xmlns:p14="http://schemas.microsoft.com/office/powerpoint/2010/main" val="295902638"/>
+                <p14:modId xmlns:p14="http://schemas.microsoft.com/office/powerpoint/2010/main" val="15416776"/>
               </p:ext>
             </p:extLst>
           </p:nvPr>
         </p:nvGraphicFramePr>
         <p:xfrm>
-          <a:off x="4389120" y="978408"/>
+          <a:off x="4367494" y="972996"/>
           <a:ext cx="7306056" cy="5010912"/>
         </p:xfrm>
         <a:graphic>
           <a:graphicData uri="http://schemas.openxmlformats.org/drawingml/2006/diagram">
-            <dgm:relIds xmlns:dgm="http://schemas.openxmlformats.org/drawingml/2006/diagram" xmlns:r="http://schemas.openxmlformats.org/officeDocument/2006/relationships" r:dm="rId3" r:lo="rId4" r:qs="rId5" r:cs="rId6"/>
+            <dgm:relIds xmlns:dgm="http://schemas.openxmlformats.org/drawingml/2006/diagram" xmlns:r="http://schemas.openxmlformats.org/officeDocument/2006/relationships" r:dm="rId4" r:lo="rId5" r:qs="rId6" r:cs="rId7"/>
           </a:graphicData>
         </a:graphic>
       </p:graphicFrame>
